--- a/Thumbnails/00-Traap-Thubnail.pptx
+++ b/Thumbnails/00-Traap-Thubnail.pptx
@@ -3226,8 +3226,8 @@
         </p:nvSpPr>
         <p:spPr bwMode="auto">
           <a:xfrm flipH="0" flipV="0">
-            <a:off x="4540774" y="687245"/>
-            <a:ext cx="6162637" cy="823320"/>
+            <a:off x="4540772" y="687243"/>
+            <a:ext cx="6642577" cy="823320"/>
           </a:xfrm>
           <a:prstGeom prst="rect">
             <a:avLst/>
@@ -3250,7 +3250,7 @@
                   </a:schemeClr>
                 </a:solidFill>
               </a:rPr>
-              <a:t>#18 Neovim</a:t>
+              <a:t>#21 Archlinux &amp; WSL2</a:t>
             </a:r>
             <a:endParaRPr sz="4800">
               <a:solidFill>
@@ -3270,8 +3270,8 @@
         </p:nvSpPr>
         <p:spPr bwMode="auto">
           <a:xfrm flipH="0" flipV="0">
-            <a:off x="5868728" y="1510566"/>
-            <a:ext cx="6023290" cy="518519"/>
+            <a:off x="5868726" y="1510564"/>
+            <a:ext cx="6037328" cy="518519"/>
           </a:xfrm>
           <a:prstGeom prst="rect">
             <a:avLst/>
@@ -3294,7 +3294,7 @@
                   </a:schemeClr>
                 </a:solidFill>
               </a:rPr>
-              <a:t>Simple: LazyVim  Customization </a:t>
+              <a:t>TMUX, Neovim, and Vim </a:t>
             </a:r>
             <a:r>
               <a:rPr sz="3600">
@@ -3324,8 +3324,8 @@
         </p:nvSpPr>
         <p:spPr bwMode="auto">
           <a:xfrm flipH="0" flipV="0">
-            <a:off x="7112282" y="2109143"/>
-            <a:ext cx="4355942" cy="488039"/>
+            <a:off x="7112280" y="2109141"/>
+            <a:ext cx="4388700" cy="884279"/>
           </a:xfrm>
           <a:prstGeom prst="rect">
             <a:avLst/>
@@ -3346,7 +3346,7 @@
                   <a:srgbClr val="FFFF00"/>
                 </a:solidFill>
               </a:rPr>
-              <a:t>todo-comments.nvim</a:t>
+              <a:t>Answering a Viewers Question</a:t>
             </a:r>
             <a:endParaRPr sz="4800">
               <a:solidFill>

--- a/Thumbnails/00-Traap-Thubnail.pptx
+++ b/Thumbnails/00-Traap-Thubnail.pptx
@@ -3226,8 +3226,8 @@
         </p:nvSpPr>
         <p:spPr bwMode="auto">
           <a:xfrm flipH="0" flipV="0">
-            <a:off x="4540772" y="687243"/>
-            <a:ext cx="6642577" cy="823320"/>
+            <a:off x="4540771" y="687242"/>
+            <a:ext cx="6687576" cy="823320"/>
           </a:xfrm>
           <a:prstGeom prst="rect">
             <a:avLst/>
@@ -3250,7 +3250,7 @@
                   </a:schemeClr>
                 </a:solidFill>
               </a:rPr>
-              <a:t>#21 Archlinux &amp; WSL2</a:t>
+              <a:t>#22 Multiple Neovims?</a:t>
             </a:r>
             <a:endParaRPr sz="4800">
               <a:solidFill>
@@ -3270,8 +3270,8 @@
         </p:nvSpPr>
         <p:spPr bwMode="auto">
           <a:xfrm flipH="0" flipV="0">
-            <a:off x="5868726" y="1510564"/>
-            <a:ext cx="6037328" cy="518519"/>
+            <a:off x="5868725" y="1510563"/>
+            <a:ext cx="6097807" cy="518519"/>
           </a:xfrm>
           <a:prstGeom prst="rect">
             <a:avLst/>
@@ -3294,17 +3294,7 @@
                   </a:schemeClr>
                 </a:solidFill>
               </a:rPr>
-              <a:t>TMUX, Neovim, and Vim </a:t>
-            </a:r>
-            <a:r>
-              <a:rPr sz="3600">
-                <a:solidFill>
-                  <a:schemeClr val="accent5">
-                    <a:lumMod val="75000"/>
-                  </a:schemeClr>
-                </a:solidFill>
-              </a:rPr>
-              <a:t> </a:t>
+              <a:t>Config, Use, &amp; Delete them Safely!</a:t>
             </a:r>
             <a:endParaRPr sz="4800">
               <a:solidFill>
@@ -3324,8 +3314,8 @@
         </p:nvSpPr>
         <p:spPr bwMode="auto">
           <a:xfrm flipH="0" flipV="0">
-            <a:off x="7112280" y="2109141"/>
-            <a:ext cx="4388700" cy="884279"/>
+            <a:off x="7112279" y="2109141"/>
+            <a:ext cx="4417859" cy="1280520"/>
           </a:xfrm>
           <a:prstGeom prst="rect">
             <a:avLst/>
@@ -3346,13 +3336,52 @@
                   <a:srgbClr val="FFFF00"/>
                 </a:solidFill>
               </a:rPr>
-              <a:t>Answering a Viewers Question</a:t>
-            </a:r>
-            <a:endParaRPr sz="4800">
+              <a:t>Inspired by </a:t>
+            </a:r>
+            <a:r>
+              <a:rPr sz="2600" i="1" u="sng">
+                <a:solidFill>
+                  <a:srgbClr val="FFFF00"/>
+                </a:solidFill>
+              </a:rPr>
+              <a:t>Elijah Manor’s</a:t>
+            </a:r>
+            <a:br>
+              <a:rPr sz="2600">
+                <a:solidFill>
+                  <a:srgbClr val="FFFF00"/>
+                </a:solidFill>
+              </a:rPr>
+            </a:br>
+            <a:r>
+              <a:rPr sz="2600">
+                <a:solidFill>
+                  <a:srgbClr val="FFFF00"/>
+                </a:solidFill>
+              </a:rPr>
+              <a:t>Neovim Config Switcher</a:t>
+            </a:r>
+            <a:endParaRPr sz="2600">
               <a:solidFill>
-                <a:schemeClr val="accent5">
-                  <a:lumMod val="75000"/>
-                </a:schemeClr>
+                <a:srgbClr val="FFFF00"/>
+              </a:solidFill>
+            </a:endParaRPr>
+          </a:p>
+          <a:p>
+            <a:pPr>
+              <a:defRPr/>
+            </a:pPr>
+            <a:r>
+              <a:rPr sz="2600">
+                <a:solidFill>
+                  <a:srgbClr val="FFFF00"/>
+                </a:solidFill>
+              </a:rPr>
+              <a:t>YouTube Video</a:t>
+            </a:r>
+            <a:endParaRPr sz="2600">
+              <a:solidFill>
+                <a:srgbClr val="FFFF00"/>
               </a:solidFill>
             </a:endParaRPr>
           </a:p>

--- a/Thumbnails/00-Traap-Thubnail.pptx
+++ b/Thumbnails/00-Traap-Thubnail.pptx
@@ -3226,8 +3226,8 @@
         </p:nvSpPr>
         <p:spPr bwMode="auto">
           <a:xfrm flipH="0" flipV="0">
-            <a:off x="4540771" y="687242"/>
-            <a:ext cx="6687576" cy="823320"/>
+            <a:off x="4540770" y="687241"/>
+            <a:ext cx="6701615" cy="823320"/>
           </a:xfrm>
           <a:prstGeom prst="rect">
             <a:avLst/>
@@ -3250,7 +3250,7 @@
                   </a:schemeClr>
                 </a:solidFill>
               </a:rPr>
-              <a:t>#22 Multiple Neovims?</a:t>
+              <a:t>#05 Neovim &amp; Lazy</a:t>
             </a:r>
             <a:endParaRPr sz="4800">
               <a:solidFill>
@@ -3270,8 +3270,8 @@
         </p:nvSpPr>
         <p:spPr bwMode="auto">
           <a:xfrm flipH="0" flipV="0">
-            <a:off x="5868725" y="1510563"/>
-            <a:ext cx="6097807" cy="518519"/>
+            <a:off x="5868724" y="1510562"/>
+            <a:ext cx="6124806" cy="518519"/>
           </a:xfrm>
           <a:prstGeom prst="rect">
             <a:avLst/>
@@ -3294,7 +3294,7 @@
                   </a:schemeClr>
                 </a:solidFill>
               </a:rPr>
-              <a:t>Config, Use, &amp; Delete them Safely!</a:t>
+              <a:t>Blazingly fast startup</a:t>
             </a:r>
             <a:endParaRPr sz="4800">
               <a:solidFill>
@@ -3314,8 +3314,8 @@
         </p:nvSpPr>
         <p:spPr bwMode="auto">
           <a:xfrm flipH="0" flipV="0">
-            <a:off x="7112279" y="2109141"/>
-            <a:ext cx="4417859" cy="1280520"/>
+            <a:off x="7112278" y="2109141"/>
+            <a:ext cx="4483378" cy="884279"/>
           </a:xfrm>
           <a:prstGeom prst="rect">
             <a:avLst/>
@@ -3336,48 +3336,25 @@
                   <a:srgbClr val="FFFF00"/>
                 </a:solidFill>
               </a:rPr>
-              <a:t>Inspired by </a:t>
-            </a:r>
-            <a:r>
-              <a:rPr sz="2600" i="1" u="sng">
-                <a:solidFill>
-                  <a:srgbClr val="FFFF00"/>
-                </a:solidFill>
-              </a:rPr>
-              <a:t>Elijah Manor’s</a:t>
-            </a:r>
-            <a:br>
+              <a:t>~23ms</a:t>
+            </a:r>
+            <a:endParaRPr sz="2600">
+              <a:solidFill>
+                <a:srgbClr val="FFFF00"/>
+              </a:solidFill>
+            </a:endParaRPr>
+          </a:p>
+          <a:p>
+            <a:pPr>
+              <a:defRPr/>
+            </a:pPr>
+            <a:r>
               <a:rPr sz="2600">
                 <a:solidFill>
                   <a:srgbClr val="FFFF00"/>
                 </a:solidFill>
               </a:rPr>
-            </a:br>
-            <a:r>
-              <a:rPr sz="2600">
-                <a:solidFill>
-                  <a:srgbClr val="FFFF00"/>
-                </a:solidFill>
-              </a:rPr>
-              <a:t>Neovim Config Switcher</a:t>
-            </a:r>
-            <a:endParaRPr sz="2600">
-              <a:solidFill>
-                <a:srgbClr val="FFFF00"/>
-              </a:solidFill>
-            </a:endParaRPr>
-          </a:p>
-          <a:p>
-            <a:pPr>
-              <a:defRPr/>
-            </a:pPr>
-            <a:r>
-              <a:rPr sz="2600">
-                <a:solidFill>
-                  <a:srgbClr val="FFFF00"/>
-                </a:solidFill>
-              </a:rPr>
-              <a:t>YouTube Video</a:t>
+              <a:t>             Part: 1</a:t>
             </a:r>
             <a:endParaRPr sz="2600">
               <a:solidFill>

--- a/Thumbnails/00-Traap-Thubnail.pptx
+++ b/Thumbnails/00-Traap-Thubnail.pptx
@@ -3226,8 +3226,8 @@
         </p:nvSpPr>
         <p:spPr bwMode="auto">
           <a:xfrm flipH="0" flipV="0">
-            <a:off x="4540770" y="687241"/>
-            <a:ext cx="6701615" cy="823320"/>
+            <a:off x="4540770" y="687240"/>
+            <a:ext cx="6917053" cy="823320"/>
           </a:xfrm>
           <a:prstGeom prst="rect">
             <a:avLst/>
@@ -3250,7 +3250,7 @@
                   </a:schemeClr>
                 </a:solidFill>
               </a:rPr>
-              <a:t>#05 Neovim &amp; Lazy</a:t>
+              <a:t>#24 Barebones LazyVim</a:t>
             </a:r>
             <a:endParaRPr sz="4800">
               <a:solidFill>
@@ -3270,8 +3270,8 @@
         </p:nvSpPr>
         <p:spPr bwMode="auto">
           <a:xfrm flipH="0" flipV="0">
-            <a:off x="5868724" y="1510562"/>
-            <a:ext cx="6124806" cy="518519"/>
+            <a:off x="5868723" y="1510561"/>
+            <a:ext cx="6136685" cy="518519"/>
           </a:xfrm>
           <a:prstGeom prst="rect">
             <a:avLst/>
@@ -3294,7 +3294,7 @@
                   </a:schemeClr>
                 </a:solidFill>
               </a:rPr>
-              <a:t>Blazingly fast startup</a:t>
+              <a:t>TMUX &amp; LazyVim Tips</a:t>
             </a:r>
             <a:endParaRPr sz="4800">
               <a:solidFill>
@@ -3314,8 +3314,8 @@
         </p:nvSpPr>
         <p:spPr bwMode="auto">
           <a:xfrm flipH="0" flipV="0">
-            <a:off x="7112278" y="2109141"/>
-            <a:ext cx="4483378" cy="884279"/>
+            <a:off x="7112277" y="2109141"/>
+            <a:ext cx="4502457" cy="488039"/>
           </a:xfrm>
           <a:prstGeom prst="rect">
             <a:avLst/>
@@ -3336,25 +3336,7 @@
                   <a:srgbClr val="FFFF00"/>
                 </a:solidFill>
               </a:rPr>
-              <a:t>~23ms</a:t>
-            </a:r>
-            <a:endParaRPr sz="2600">
-              <a:solidFill>
-                <a:srgbClr val="FFFF00"/>
-              </a:solidFill>
-            </a:endParaRPr>
-          </a:p>
-          <a:p>
-            <a:pPr>
-              <a:defRPr/>
-            </a:pPr>
-            <a:r>
-              <a:rPr sz="2600">
-                <a:solidFill>
-                  <a:srgbClr val="FFFF00"/>
-                </a:solidFill>
-              </a:rPr>
-              <a:t>             Part: 1</a:t>
+              <a:t>LazyVim is amazing!!!</a:t>
             </a:r>
             <a:endParaRPr sz="2600">
               <a:solidFill>

--- a/Thumbnails/00-Traap-Thubnail.pptx
+++ b/Thumbnails/00-Traap-Thubnail.pptx
@@ -3227,7 +3227,7 @@
         <p:spPr bwMode="auto">
           <a:xfrm flipH="0" flipV="0">
             <a:off x="4540770" y="687240"/>
-            <a:ext cx="6917053" cy="823320"/>
+            <a:ext cx="6986892" cy="823320"/>
           </a:xfrm>
           <a:prstGeom prst="rect">
             <a:avLst/>
@@ -3250,7 +3250,7 @@
                   </a:schemeClr>
                 </a:solidFill>
               </a:rPr>
-              <a:t>#24 Barebones LazyVim</a:t>
+              <a:t>#25 Finding a Pattern</a:t>
             </a:r>
             <a:endParaRPr sz="4800">
               <a:solidFill>
@@ -3270,8 +3270,8 @@
         </p:nvSpPr>
         <p:spPr bwMode="auto">
           <a:xfrm flipH="0" flipV="0">
-            <a:off x="5868723" y="1510561"/>
-            <a:ext cx="6136685" cy="518519"/>
+            <a:off x="5868722" y="1510560"/>
+            <a:ext cx="6153244" cy="518519"/>
           </a:xfrm>
           <a:prstGeom prst="rect">
             <a:avLst/>
@@ -3294,7 +3294,7 @@
                   </a:schemeClr>
                 </a:solidFill>
               </a:rPr>
-              <a:t>TMUX &amp; LazyVim Tips</a:t>
+              <a:t>fzf as an interactive Ripgrep launcher</a:t>
             </a:r>
             <a:endParaRPr sz="4800">
               <a:solidFill>
@@ -3315,7 +3315,7 @@
         <p:spPr bwMode="auto">
           <a:xfrm flipH="0" flipV="0">
             <a:off x="7112277" y="2109141"/>
-            <a:ext cx="4502457" cy="488039"/>
+            <a:ext cx="4530537" cy="884279"/>
           </a:xfrm>
           <a:prstGeom prst="rect">
             <a:avLst/>
@@ -3336,7 +3336,7 @@
                   <a:srgbClr val="FFFF00"/>
                 </a:solidFill>
               </a:rPr>
-              <a:t>LazyVim is amazing!!!</a:t>
+              <a:t>How I quickly find text and launch Neovim</a:t>
             </a:r>
             <a:endParaRPr sz="2600">
               <a:solidFill>

--- a/Thumbnails/00-Traap-Thubnail.pptx
+++ b/Thumbnails/00-Traap-Thubnail.pptx
@@ -3227,7 +3227,7 @@
         <p:spPr bwMode="auto">
           <a:xfrm flipH="0" flipV="0">
             <a:off x="4540770" y="687240"/>
-            <a:ext cx="6986892" cy="823320"/>
+            <a:ext cx="6993371" cy="823320"/>
           </a:xfrm>
           <a:prstGeom prst="rect">
             <a:avLst/>
@@ -3250,7 +3250,7 @@
                   </a:schemeClr>
                 </a:solidFill>
               </a:rPr>
-              <a:t>#25 Finding a Pattern</a:t>
+              <a:t>#26 TMUX Productivity</a:t>
             </a:r>
             <a:endParaRPr sz="4800">
               <a:solidFill>
@@ -3270,8 +3270,8 @@
         </p:nvSpPr>
         <p:spPr bwMode="auto">
           <a:xfrm flipH="0" flipV="0">
-            <a:off x="5868722" y="1510560"/>
-            <a:ext cx="6153244" cy="518519"/>
+            <a:off x="5868721" y="1510560"/>
+            <a:ext cx="6175203" cy="518519"/>
           </a:xfrm>
           <a:prstGeom prst="rect">
             <a:avLst/>
@@ -3294,7 +3294,7 @@
                   </a:schemeClr>
                 </a:solidFill>
               </a:rPr>
-              <a:t>fzf as an interactive Ripgrep launcher</a:t>
+              <a:t>Toggle TMUX sessions.</a:t>
             </a:r>
             <a:endParaRPr sz="4800">
               <a:solidFill>
@@ -3315,7 +3315,7 @@
         <p:spPr bwMode="auto">
           <a:xfrm flipH="0" flipV="0">
             <a:off x="7112277" y="2109141"/>
-            <a:ext cx="4530537" cy="884279"/>
+            <a:ext cx="4554657" cy="1280520"/>
           </a:xfrm>
           <a:prstGeom prst="rect">
             <a:avLst/>
@@ -3336,7 +3336,43 @@
                   <a:srgbClr val="FFFF00"/>
                 </a:solidFill>
               </a:rPr>
-              <a:t>How I quickly find text and launch Neovim</a:t>
+              <a:t>Alt-N Toggle Neovim</a:t>
+            </a:r>
+            <a:endParaRPr sz="2600">
+              <a:solidFill>
+                <a:srgbClr val="FFFF00"/>
+              </a:solidFill>
+            </a:endParaRPr>
+          </a:p>
+          <a:p>
+            <a:pPr>
+              <a:defRPr/>
+            </a:pPr>
+            <a:r>
+              <a:rPr sz="2600">
+                <a:solidFill>
+                  <a:srgbClr val="FFFF00"/>
+                </a:solidFill>
+              </a:rPr>
+              <a:t>Alt-U Toggle Upgrade</a:t>
+            </a:r>
+            <a:endParaRPr sz="2600">
+              <a:solidFill>
+                <a:srgbClr val="FFFF00"/>
+              </a:solidFill>
+            </a:endParaRPr>
+          </a:p>
+          <a:p>
+            <a:pPr>
+              <a:defRPr/>
+            </a:pPr>
+            <a:r>
+              <a:rPr sz="2600">
+                <a:solidFill>
+                  <a:srgbClr val="FFFF00"/>
+                </a:solidFill>
+              </a:rPr>
+              <a:t>Alt-Y Toggle YouTube</a:t>
             </a:r>
             <a:endParaRPr sz="2600">
               <a:solidFill>

--- a/Thumbnails/00-Traap-Thubnail.pptx
+++ b/Thumbnails/00-Traap-Thubnail.pptx
@@ -3227,7 +3227,7 @@
         <p:spPr bwMode="auto">
           <a:xfrm flipH="0" flipV="0">
             <a:off x="4540770" y="687240"/>
-            <a:ext cx="6993371" cy="823320"/>
+            <a:ext cx="6998050" cy="823320"/>
           </a:xfrm>
           <a:prstGeom prst="rect">
             <a:avLst/>
@@ -3250,7 +3250,7 @@
                   </a:schemeClr>
                 </a:solidFill>
               </a:rPr>
-              <a:t>#26 TMUX Productivity</a:t>
+              <a:t>#27 TLC-ARTICLE</a:t>
             </a:r>
             <a:endParaRPr sz="4800">
               <a:solidFill>
@@ -3270,8 +3270,8 @@
         </p:nvSpPr>
         <p:spPr bwMode="auto">
           <a:xfrm flipH="0" flipV="0">
-            <a:off x="5868721" y="1510560"/>
-            <a:ext cx="6175203" cy="518519"/>
+            <a:off x="5868720" y="1510560"/>
+            <a:ext cx="6196442" cy="518519"/>
           </a:xfrm>
           <a:prstGeom prst="rect">
             <a:avLst/>
@@ -3294,7 +3294,7 @@
                   </a:schemeClr>
                 </a:solidFill>
               </a:rPr>
-              <a:t>Toggle TMUX sessions.</a:t>
+              <a:t>A Custom LaTeX Document Class</a:t>
             </a:r>
             <a:endParaRPr sz="4800">
               <a:solidFill>
@@ -3315,7 +3315,7 @@
         <p:spPr bwMode="auto">
           <a:xfrm flipH="0" flipV="0">
             <a:off x="7112277" y="2109141"/>
-            <a:ext cx="4554657" cy="1280520"/>
+            <a:ext cx="4645376" cy="1676759"/>
           </a:xfrm>
           <a:prstGeom prst="rect">
             <a:avLst/>
@@ -3336,7 +3336,7 @@
                   <a:srgbClr val="FFFF00"/>
                 </a:solidFill>
               </a:rPr>
-              <a:t>Alt-N Toggle Neovim</a:t>
+              <a:t>Use to assemble </a:t>
             </a:r>
             <a:endParaRPr sz="2600">
               <a:solidFill>
@@ -3345,7 +3345,9 @@
             </a:endParaRPr>
           </a:p>
           <a:p>
-            <a:pPr>
+            <a:pPr marL="371994" indent="-371994">
+              <a:buFont typeface="Arial"/>
+              <a:buChar char="•"/>
               <a:defRPr/>
             </a:pPr>
             <a:r>
@@ -3354,7 +3356,7 @@
                   <a:srgbClr val="FFFF00"/>
                 </a:solidFill>
               </a:rPr>
-              <a:t>Alt-U Toggle Upgrade</a:t>
+              <a:t>Basic document</a:t>
             </a:r>
             <a:endParaRPr sz="2600">
               <a:solidFill>
@@ -3363,7 +3365,9 @@
             </a:endParaRPr>
           </a:p>
           <a:p>
-            <a:pPr>
+            <a:pPr marL="371994" indent="-371994">
+              <a:buFont typeface="Arial"/>
+              <a:buChar char="•"/>
               <a:defRPr/>
             </a:pPr>
             <a:r>
@@ -3372,7 +3376,27 @@
                   <a:srgbClr val="FFFF00"/>
                 </a:solidFill>
               </a:rPr>
-              <a:t>Alt-Y Toggle YouTube</a:t>
+              <a:t>Customize header &amp; footer</a:t>
+            </a:r>
+            <a:endParaRPr sz="2600">
+              <a:solidFill>
+                <a:srgbClr val="FFFF00"/>
+              </a:solidFill>
+            </a:endParaRPr>
+          </a:p>
+          <a:p>
+            <a:pPr marL="371994" indent="-371994">
+              <a:buFont typeface="Arial"/>
+              <a:buChar char="•"/>
+              <a:defRPr/>
+            </a:pPr>
+            <a:r>
+              <a:rPr sz="2600">
+                <a:solidFill>
+                  <a:srgbClr val="FFFF00"/>
+                </a:solidFill>
+              </a:rPr>
+              <a:t>Atomic Elements</a:t>
             </a:r>
             <a:endParaRPr sz="2600">
               <a:solidFill>

--- a/Thumbnails/00-Traap-Thubnail.pptx
+++ b/Thumbnails/00-Traap-Thubnail.pptx
@@ -3227,7 +3227,7 @@
         <p:spPr bwMode="auto">
           <a:xfrm flipH="0" flipV="0">
             <a:off x="4540770" y="687240"/>
-            <a:ext cx="6998050" cy="823320"/>
+            <a:ext cx="7005249" cy="823320"/>
           </a:xfrm>
           <a:prstGeom prst="rect">
             <a:avLst/>
@@ -3250,7 +3250,7 @@
                   </a:schemeClr>
                 </a:solidFill>
               </a:rPr>
-              <a:t>#27 TLC-ARTICLE</a:t>
+              <a:t>#28 DocBld &amp; NewDoc</a:t>
             </a:r>
             <a:endParaRPr sz="4800">
               <a:solidFill>
@@ -3271,7 +3271,7 @@
         <p:spPr bwMode="auto">
           <a:xfrm flipH="0" flipV="0">
             <a:off x="5868720" y="1510560"/>
-            <a:ext cx="6196442" cy="518519"/>
+            <a:ext cx="6213001" cy="518519"/>
           </a:xfrm>
           <a:prstGeom prst="rect">
             <a:avLst/>
@@ -3294,7 +3294,7 @@
                   </a:schemeClr>
                 </a:solidFill>
               </a:rPr>
-              <a:t>A Custom LaTeX Document Class</a:t>
+              <a:t>Precursor to Video #29</a:t>
             </a:r>
             <a:endParaRPr sz="4800">
               <a:solidFill>
@@ -3315,7 +3315,7 @@
         <p:spPr bwMode="auto">
           <a:xfrm flipH="0" flipV="0">
             <a:off x="7112277" y="2109141"/>
-            <a:ext cx="4645376" cy="1676759"/>
+            <a:ext cx="4664095" cy="1280520"/>
           </a:xfrm>
           <a:prstGeom prst="rect">
             <a:avLst/>
@@ -3336,7 +3336,7 @@
                   <a:srgbClr val="FFFF00"/>
                 </a:solidFill>
               </a:rPr>
-              <a:t>Use to assemble </a:t>
+              <a:t>Behind the scenes</a:t>
             </a:r>
             <a:endParaRPr sz="2600">
               <a:solidFill>
@@ -3356,7 +3356,7 @@
                   <a:srgbClr val="FFFF00"/>
                 </a:solidFill>
               </a:rPr>
-              <a:t>Basic document</a:t>
+              <a:t>docbld </a:t>
             </a:r>
             <a:endParaRPr sz="2600">
               <a:solidFill>
@@ -3376,27 +3376,7 @@
                   <a:srgbClr val="FFFF00"/>
                 </a:solidFill>
               </a:rPr>
-              <a:t>Customize header &amp; footer</a:t>
-            </a:r>
-            <a:endParaRPr sz="2600">
-              <a:solidFill>
-                <a:srgbClr val="FFFF00"/>
-              </a:solidFill>
-            </a:endParaRPr>
-          </a:p>
-          <a:p>
-            <a:pPr marL="371994" indent="-371994">
-              <a:buFont typeface="Arial"/>
-              <a:buChar char="•"/>
-              <a:defRPr/>
-            </a:pPr>
-            <a:r>
-              <a:rPr sz="2600">
-                <a:solidFill>
-                  <a:srgbClr val="FFFF00"/>
-                </a:solidFill>
-              </a:rPr>
-              <a:t>Atomic Elements</a:t>
+              <a:t>newdoc</a:t>
             </a:r>
             <a:endParaRPr sz="2600">
               <a:solidFill>

--- a/Thumbnails/00-Traap-Thubnail.pptx
+++ b/Thumbnails/00-Traap-Thubnail.pptx
@@ -4,8 +4,11 @@
   <p:sldMasterIdLst>
     <p:sldMasterId id="2147483648" r:id="rId1"/>
   </p:sldMasterIdLst>
+  <p:notesMasterIdLst>
+    <p:notesMasterId r:id="rId5"/>
+  </p:notesMasterIdLst>
   <p:sldIdLst>
-    <p:sldId id="256" r:id="rId3"/>
+    <p:sldId id="256" r:id="rId4"/>
   </p:sldIdLst>
   <p:sldSz cx="12192000" cy="6858000"/>
   <p:notesSz cx="12192000" cy="6858000"/>
@@ -105,6 +108,408 @@
     </a:lvl9pPr>
   </p:defaultTextStyle>
 </p:presentation>
+</file>
+
+<file path=ppt/notesMasters/notesMaster1.xml><?xml version="1.0" encoding="utf-8"?>
+<p:notesMaster xmlns:a="http://schemas.openxmlformats.org/drawingml/2006/main" xmlns:r="http://schemas.openxmlformats.org/officeDocument/2006/relationships" xmlns:p="http://schemas.openxmlformats.org/presentationml/2006/main">
+  <p:cSld name="">
+    <p:bg>
+      <p:bgRef idx="1001">
+        <a:schemeClr val="bg1"/>
+      </p:bgRef>
+    </p:bg>
+    <p:spTree>
+      <p:nvGrpSpPr>
+        <p:cNvPr id="1" name=""/>
+        <p:cNvGrpSpPr/>
+        <p:nvPr/>
+      </p:nvGrpSpPr>
+      <p:grpSpPr bwMode="auto">
+        <a:xfrm>
+          <a:off x="0" y="0"/>
+          <a:ext cx="0" cy="0"/>
+          <a:chOff x="0" y="0"/>
+          <a:chExt cx="0" cy="0"/>
+        </a:xfrm>
+      </p:grpSpPr>
+      <p:sp>
+        <p:nvSpPr>
+          <p:cNvPr id="2" name="Header Placeholder 1"/>
+          <p:cNvSpPr>
+            <a:spLocks noGrp="1"/>
+          </p:cNvSpPr>
+          <p:nvPr>
+            <p:ph type="hdr" sz="quarter"/>
+          </p:nvPr>
+        </p:nvSpPr>
+        <p:spPr bwMode="auto">
+          <a:xfrm>
+            <a:off x="0" y="0"/>
+            <a:ext cx="2971800" cy="458788"/>
+          </a:xfrm>
+          <a:prstGeom prst="rect">
+            <a:avLst/>
+          </a:prstGeom>
+        </p:spPr>
+        <p:txBody>
+          <a:bodyPr vert="horz" lIns="91440" tIns="45720" rIns="91440" bIns="45720" rtlCol="0" anchor="ctr"/>
+          <a:lstStyle>
+            <a:lvl1pPr algn="l">
+              <a:defRPr sz="1200"/>
+            </a:lvl1pPr>
+          </a:lstStyle>
+          <a:p>
+            <a:pPr>
+              <a:defRPr/>
+            </a:pPr>
+            <a:endParaRPr/>
+          </a:p>
+        </p:txBody>
+      </p:sp>
+      <p:sp>
+        <p:nvSpPr>
+          <p:cNvPr id="3" name="Date Placeholder 2"/>
+          <p:cNvSpPr>
+            <a:spLocks noGrp="1"/>
+          </p:cNvSpPr>
+          <p:nvPr>
+            <p:ph type="dt" idx="2"/>
+          </p:nvPr>
+        </p:nvSpPr>
+        <p:spPr bwMode="auto">
+          <a:xfrm>
+            <a:off x="3884613" y="0"/>
+            <a:ext cx="2971800" cy="458788"/>
+          </a:xfrm>
+          <a:prstGeom prst="rect">
+            <a:avLst/>
+          </a:prstGeom>
+        </p:spPr>
+        <p:txBody>
+          <a:bodyPr vert="horz" lIns="91440" tIns="45720" rIns="91440" bIns="45720" rtlCol="0" anchor="ctr"/>
+          <a:lstStyle>
+            <a:lvl1pPr algn="r">
+              <a:defRPr sz="1200"/>
+            </a:lvl1pPr>
+          </a:lstStyle>
+          <a:p>
+            <a:pPr>
+              <a:defRPr/>
+            </a:pPr>
+            <a:endParaRPr/>
+          </a:p>
+        </p:txBody>
+      </p:sp>
+      <p:sp>
+        <p:nvSpPr>
+          <p:cNvPr id="3" name="Date Placeholder 2"/>
+          <p:cNvSpPr>
+            <a:spLocks noGrp="1"/>
+          </p:cNvSpPr>
+          <p:nvPr>
+            <p:ph type="dt" idx="3"/>
+          </p:nvPr>
+        </p:nvSpPr>
+        <p:spPr bwMode="auto">
+          <a:xfrm>
+            <a:off x="3884613" y="0"/>
+            <a:ext cx="2971800" cy="458788"/>
+          </a:xfrm>
+          <a:prstGeom prst="rect">
+            <a:avLst/>
+          </a:prstGeom>
+        </p:spPr>
+        <p:txBody>
+          <a:bodyPr vert="horz" lIns="91440" tIns="45720" rIns="91440" bIns="45720" rtlCol="0" anchor="ctr"/>
+          <a:lstStyle>
+            <a:lvl1pPr algn="r">
+              <a:defRPr sz="1200"/>
+            </a:lvl1pPr>
+          </a:lstStyle>
+          <a:p>
+            <a:pPr>
+              <a:defRPr/>
+            </a:pPr>
+            <a:endParaRPr/>
+          </a:p>
+        </p:txBody>
+      </p:sp>
+      <p:sp>
+        <p:nvSpPr>
+          <p:cNvPr id="5" name="Notes Placeholder 4"/>
+          <p:cNvSpPr>
+            <a:spLocks noGrp="1"/>
+          </p:cNvSpPr>
+          <p:nvPr>
+            <p:ph type="body" sz="quarter" idx="1"/>
+          </p:nvPr>
+        </p:nvSpPr>
+        <p:spPr bwMode="auto">
+          <a:xfrm>
+            <a:off x="685800" y="4400550"/>
+            <a:ext cx="5486400" cy="3600450"/>
+          </a:xfrm>
+          <a:prstGeom prst="rect">
+            <a:avLst/>
+          </a:prstGeom>
+        </p:spPr>
+        <p:txBody>
+          <a:bodyPr vert="horz" lIns="91440" tIns="45720" rIns="91440" bIns="45720" rtlCol="0" anchor="ctr"/>
+          <a:lstStyle/>
+          <a:p>
+            <a:pPr>
+              <a:defRPr/>
+            </a:pPr>
+            <a:endParaRPr/>
+          </a:p>
+        </p:txBody>
+      </p:sp>
+      <p:sp>
+        <p:nvSpPr>
+          <p:cNvPr id="6" name="Footer Placeholder 5"/>
+          <p:cNvSpPr>
+            <a:spLocks noGrp="1"/>
+          </p:cNvSpPr>
+          <p:nvPr>
+            <p:ph type="ftr" sz="quarter" idx="4"/>
+          </p:nvPr>
+        </p:nvSpPr>
+        <p:spPr bwMode="auto">
+          <a:xfrm>
+            <a:off x="0" y="8685213"/>
+            <a:ext cx="2971800" cy="458787"/>
+          </a:xfrm>
+          <a:prstGeom prst="rect">
+            <a:avLst/>
+          </a:prstGeom>
+        </p:spPr>
+        <p:txBody>
+          <a:bodyPr vert="horz" lIns="91440" tIns="45720" rIns="91440" bIns="45720" rtlCol="0" anchor="b"/>
+          <a:lstStyle>
+            <a:lvl1pPr algn="l">
+              <a:defRPr sz="1200"/>
+            </a:lvl1pPr>
+          </a:lstStyle>
+          <a:p>
+            <a:pPr>
+              <a:defRPr/>
+            </a:pPr>
+            <a:endParaRPr/>
+          </a:p>
+        </p:txBody>
+      </p:sp>
+      <p:sp>
+        <p:nvSpPr>
+          <p:cNvPr id="7" name="Slide Number Placeholder 6"/>
+          <p:cNvSpPr>
+            <a:spLocks noGrp="1"/>
+          </p:cNvSpPr>
+          <p:nvPr>
+            <p:ph type="sldNum" sz="quarter" idx="10"/>
+          </p:nvPr>
+        </p:nvSpPr>
+        <p:spPr bwMode="auto">
+          <a:xfrm>
+            <a:off x="3884613" y="8685213"/>
+            <a:ext cx="2971800" cy="458787"/>
+          </a:xfrm>
+          <a:prstGeom prst="rect">
+            <a:avLst/>
+          </a:prstGeom>
+        </p:spPr>
+        <p:txBody>
+          <a:bodyPr vert="horz" lIns="91440" tIns="45720" rIns="91440" bIns="45720" rtlCol="0" anchor="b"/>
+          <a:lstStyle>
+            <a:lvl1pPr algn="r">
+              <a:defRPr sz="1200"/>
+            </a:lvl1pPr>
+          </a:lstStyle>
+          <a:p>
+            <a:pPr>
+              <a:defRPr/>
+            </a:pPr>
+            <a:endParaRPr/>
+          </a:p>
+        </p:txBody>
+      </p:sp>
+    </p:spTree>
+  </p:cSld>
+  <p:clrMap bg1="lt1" tx1="dk1" bg2="lt2" tx2="dk2" accent1="accent1" accent2="accent2" accent3="accent3" accent4="accent4" accent5="accent5" accent6="accent6" hlink="hlink" folHlink="folHlink"/>
+  <p:notesStyle>
+    <a:lvl1pPr marL="0" algn="l" defTabSz="914400">
+      <a:defRPr sz="1200">
+        <a:solidFill>
+          <a:schemeClr val="tx1"/>
+        </a:solidFill>
+        <a:latin typeface="+mn-lt"/>
+        <a:ea typeface="+mn-ea"/>
+        <a:cs typeface="+mn-cs"/>
+      </a:defRPr>
+    </a:lvl1pPr>
+    <a:lvl2pPr marL="457200" algn="l" defTabSz="914400">
+      <a:defRPr sz="1200">
+        <a:solidFill>
+          <a:schemeClr val="tx1"/>
+        </a:solidFill>
+        <a:latin typeface="+mn-lt"/>
+        <a:ea typeface="+mn-ea"/>
+        <a:cs typeface="+mn-cs"/>
+      </a:defRPr>
+    </a:lvl2pPr>
+    <a:lvl3pPr marL="914400" algn="l" defTabSz="914400">
+      <a:defRPr sz="1200">
+        <a:solidFill>
+          <a:schemeClr val="tx1"/>
+        </a:solidFill>
+        <a:latin typeface="+mn-lt"/>
+        <a:ea typeface="+mn-ea"/>
+        <a:cs typeface="+mn-cs"/>
+      </a:defRPr>
+    </a:lvl3pPr>
+    <a:lvl4pPr marL="1371600" algn="l" defTabSz="914400">
+      <a:defRPr sz="1200">
+        <a:solidFill>
+          <a:schemeClr val="tx1"/>
+        </a:solidFill>
+        <a:latin typeface="+mn-lt"/>
+        <a:ea typeface="+mn-ea"/>
+        <a:cs typeface="+mn-cs"/>
+      </a:defRPr>
+    </a:lvl4pPr>
+    <a:lvl5pPr marL="1828800" algn="l" defTabSz="914400">
+      <a:defRPr sz="1200">
+        <a:solidFill>
+          <a:schemeClr val="tx1"/>
+        </a:solidFill>
+        <a:latin typeface="+mn-lt"/>
+        <a:ea typeface="+mn-ea"/>
+        <a:cs typeface="+mn-cs"/>
+      </a:defRPr>
+    </a:lvl5pPr>
+    <a:lvl6pPr marL="2286000" algn="l" defTabSz="914400">
+      <a:defRPr sz="1200">
+        <a:solidFill>
+          <a:schemeClr val="tx1"/>
+        </a:solidFill>
+        <a:latin typeface="+mn-lt"/>
+        <a:ea typeface="+mn-ea"/>
+        <a:cs typeface="+mn-cs"/>
+      </a:defRPr>
+    </a:lvl6pPr>
+    <a:lvl7pPr marL="2743200" algn="l" defTabSz="914400">
+      <a:defRPr sz="1200">
+        <a:solidFill>
+          <a:schemeClr val="tx1"/>
+        </a:solidFill>
+        <a:latin typeface="+mn-lt"/>
+        <a:ea typeface="+mn-ea"/>
+        <a:cs typeface="+mn-cs"/>
+      </a:defRPr>
+    </a:lvl7pPr>
+    <a:lvl8pPr marL="3200400" algn="l" defTabSz="914400">
+      <a:defRPr sz="1200">
+        <a:solidFill>
+          <a:schemeClr val="tx1"/>
+        </a:solidFill>
+        <a:latin typeface="+mn-lt"/>
+        <a:ea typeface="+mn-ea"/>
+        <a:cs typeface="+mn-cs"/>
+      </a:defRPr>
+    </a:lvl8pPr>
+    <a:lvl9pPr marL="3657600" algn="l" defTabSz="914400">
+      <a:defRPr sz="1200">
+        <a:solidFill>
+          <a:schemeClr val="tx1"/>
+        </a:solidFill>
+        <a:latin typeface="+mn-lt"/>
+        <a:ea typeface="+mn-ea"/>
+        <a:cs typeface="+mn-cs"/>
+      </a:defRPr>
+    </a:lvl9pPr>
+  </p:notesStyle>
+</p:notesMaster>
+</file>
+
+<file path=ppt/notesSlides/notesSlide1.xml><?xml version="1.0" encoding="utf-8"?>
+<p:notes xmlns:a="http://schemas.openxmlformats.org/drawingml/2006/main" xmlns:r="http://schemas.openxmlformats.org/officeDocument/2006/relationships" xmlns:p="http://schemas.openxmlformats.org/presentationml/2006/main" xmlns:m="http://schemas.openxmlformats.org/officeDocument/2006/math" xmlns:w="http://schemas.openxmlformats.org/wordprocessingml/2006/main">
+  <p:cSld name="">
+    <p:spTree>
+      <p:nvGrpSpPr>
+        <p:cNvPr id="1" name=""/>
+        <p:cNvGrpSpPr/>
+        <p:nvPr/>
+      </p:nvGrpSpPr>
+      <p:grpSpPr bwMode="auto">
+        <a:xfrm>
+          <a:off x="0" y="0"/>
+          <a:ext cx="0" cy="0"/>
+          <a:chOff x="0" y="0"/>
+          <a:chExt cx="0" cy="0"/>
+        </a:xfrm>
+      </p:grpSpPr>
+      <p:sp>
+        <p:nvSpPr>
+          <p:cNvPr id="2" name="Slide Image Placeholder 1"/>
+          <p:cNvSpPr>
+            <a:spLocks noChangeAspect="1" noGrp="1" noRot="1"/>
+          </p:cNvSpPr>
+          <p:nvPr>
+            <p:ph type="sldImg"/>
+          </p:nvPr>
+        </p:nvSpPr>
+        <p:spPr bwMode="auto"/>
+      </p:sp>
+      <p:sp>
+        <p:nvSpPr>
+          <p:cNvPr id="3" name="Notes Placeholder 2"/>
+          <p:cNvSpPr>
+            <a:spLocks noGrp="1"/>
+          </p:cNvSpPr>
+          <p:nvPr>
+            <p:ph type="body" idx="1"/>
+          </p:nvPr>
+        </p:nvSpPr>
+        <p:spPr bwMode="auto"/>
+        <p:txBody>
+          <a:bodyPr/>
+          <a:lstStyle/>
+          <a:p>
+            <a:pPr>
+              <a:defRPr/>
+            </a:pPr>
+            <a:endParaRPr/>
+          </a:p>
+        </p:txBody>
+      </p:sp>
+      <p:sp>
+        <p:nvSpPr>
+          <p:cNvPr id="4" name="Slide Number Placeholder 3"/>
+          <p:cNvSpPr>
+            <a:spLocks noGrp="1"/>
+          </p:cNvSpPr>
+          <p:nvPr>
+            <p:ph type="sldNum" sz="quarter" idx="10"/>
+          </p:nvPr>
+        </p:nvSpPr>
+        <p:spPr bwMode="auto"/>
+        <p:txBody>
+          <a:bodyPr/>
+          <a:lstStyle/>
+          <a:p>
+            <a:pPr>
+              <a:defRPr/>
+            </a:pPr>
+            <a:fld id="{5E8D3A65-94E5-0983-A3A6-8848A1D8C3E0}" type="slidenum">
+              <a:rPr/>
+              <a:t/>
+            </a:fld>
+            <a:endParaRPr/>
+          </a:p>
+        </p:txBody>
+      </p:sp>
+    </p:spTree>
+  </p:cSld>
+</p:notes>
 </file>
 
 <file path=ppt/slideLayouts/slideLayout1.xml><?xml version="1.0" encoding="utf-8"?>
@@ -3205,7 +3610,7 @@
           <p:nvPr/>
         </p:nvPicPr>
         <p:blipFill>
-          <a:blip r:embed="rId2"/>
+          <a:blip r:embed="rId3"/>
           <a:stretch/>
         </p:blipFill>
         <p:spPr bwMode="auto">
@@ -3227,7 +3632,7 @@
         <p:spPr bwMode="auto">
           <a:xfrm flipH="0" flipV="0">
             <a:off x="4540770" y="687240"/>
-            <a:ext cx="7005249" cy="823320"/>
+            <a:ext cx="7043408" cy="1554840"/>
           </a:xfrm>
           <a:prstGeom prst="rect">
             <a:avLst/>
@@ -3250,7 +3655,7 @@
                   </a:schemeClr>
                 </a:solidFill>
               </a:rPr>
-              <a:t>#28 DocBld &amp; NewDoc</a:t>
+              <a:t>#30 TMXU &amp; Neovim</a:t>
             </a:r>
             <a:endParaRPr sz="4800">
               <a:solidFill>
@@ -3260,41 +3665,19 @@
               </a:solidFill>
             </a:endParaRPr>
           </a:p>
-        </p:txBody>
-      </p:sp>
-      <p:sp>
-        <p:nvSpPr>
-          <p:cNvPr id="1414364764" name=""/>
-          <p:cNvSpPr txBox="1"/>
-          <p:nvPr/>
-        </p:nvSpPr>
-        <p:spPr bwMode="auto">
-          <a:xfrm flipH="0" flipV="0">
-            <a:off x="5868720" y="1510560"/>
-            <a:ext cx="6213001" cy="518519"/>
-          </a:xfrm>
-          <a:prstGeom prst="rect">
-            <a:avLst/>
-          </a:prstGeom>
-          <a:noFill/>
-        </p:spPr>
-        <p:txBody>
-          <a:bodyPr vertOverflow="overflow" horzOverflow="overflow" vert="horz" wrap="square" lIns="91440" tIns="45720" rIns="91440" bIns="45720" numCol="1" spcCol="0" rtlCol="0" fromWordArt="0" anchor="t" anchorCtr="0" forceAA="0" upright="0" compatLnSpc="0">
-            <a:spAutoFit/>
-          </a:bodyPr>
-          <a:p>
-            <a:pPr>
-              <a:defRPr/>
-            </a:pPr>
-            <a:r>
-              <a:rPr sz="2800">
+          <a:p>
+            <a:pPr>
+              <a:defRPr/>
+            </a:pPr>
+            <a:r>
+              <a:rPr sz="4800">
                 <a:solidFill>
                   <a:schemeClr val="accent5">
                     <a:lumMod val="75000"/>
                   </a:schemeClr>
                 </a:solidFill>
               </a:rPr>
-              <a:t>Precursor to Video #29</a:t>
+              <a:t>        Navigation     </a:t>
             </a:r>
             <a:endParaRPr sz="4800">
               <a:solidFill>
@@ -3308,14 +3691,14 @@
       </p:sp>
       <p:sp>
         <p:nvSpPr>
-          <p:cNvPr id="311914269" name=""/>
+          <p:cNvPr id="1414364764" name=""/>
           <p:cNvSpPr txBox="1"/>
           <p:nvPr/>
         </p:nvSpPr>
         <p:spPr bwMode="auto">
           <a:xfrm flipH="0" flipV="0">
-            <a:off x="7112277" y="2109141"/>
-            <a:ext cx="4664095" cy="1280520"/>
+            <a:off x="5868720" y="1510560"/>
+            <a:ext cx="6228480" cy="823320"/>
           </a:xfrm>
           <a:prstGeom prst="rect">
             <a:avLst/>
@@ -3330,13 +3713,47 @@
             <a:pPr>
               <a:defRPr/>
             </a:pPr>
+            <a:endParaRPr sz="4800">
+              <a:solidFill>
+                <a:schemeClr val="accent5">
+                  <a:lumMod val="75000"/>
+                </a:schemeClr>
+              </a:solidFill>
+            </a:endParaRPr>
+          </a:p>
+        </p:txBody>
+      </p:sp>
+      <p:sp>
+        <p:nvSpPr>
+          <p:cNvPr id="311914269" name=""/>
+          <p:cNvSpPr txBox="1"/>
+          <p:nvPr/>
+        </p:nvSpPr>
+        <p:spPr bwMode="auto">
+          <a:xfrm flipH="0" flipV="0">
+            <a:off x="7112277" y="2242080"/>
+            <a:ext cx="4684614" cy="884279"/>
+          </a:xfrm>
+          <a:prstGeom prst="rect">
+            <a:avLst/>
+          </a:prstGeom>
+          <a:noFill/>
+        </p:spPr>
+        <p:txBody>
+          <a:bodyPr vertOverflow="overflow" horzOverflow="overflow" vert="horz" wrap="square" lIns="91440" tIns="45720" rIns="91440" bIns="45720" numCol="1" spcCol="0" rtlCol="0" fromWordArt="0" anchor="t" anchorCtr="0" forceAA="0" upright="0" compatLnSpc="0">
+            <a:spAutoFit/>
+          </a:bodyPr>
+          <a:p>
+            <a:pPr>
+              <a:defRPr/>
+            </a:pPr>
             <a:r>
               <a:rPr sz="2600">
                 <a:solidFill>
                   <a:srgbClr val="FFFF00"/>
                 </a:solidFill>
               </a:rPr>
-              <a:t>Behind the scenes</a:t>
+              <a:t>With Ctrl-[H,J,K,L]</a:t>
             </a:r>
             <a:endParaRPr sz="2600">
               <a:solidFill>
@@ -3345,39 +3762,9 @@
             </a:endParaRPr>
           </a:p>
           <a:p>
-            <a:pPr marL="371994" indent="-371994">
-              <a:buFont typeface="Arial"/>
-              <a:buChar char="•"/>
-              <a:defRPr/>
-            </a:pPr>
-            <a:r>
-              <a:rPr sz="2600">
-                <a:solidFill>
-                  <a:srgbClr val="FFFF00"/>
-                </a:solidFill>
-              </a:rPr>
-              <a:t>docbld </a:t>
-            </a:r>
-            <a:endParaRPr sz="2600">
-              <a:solidFill>
-                <a:srgbClr val="FFFF00"/>
-              </a:solidFill>
-            </a:endParaRPr>
-          </a:p>
-          <a:p>
-            <a:pPr marL="371994" indent="-371994">
-              <a:buFont typeface="Arial"/>
-              <a:buChar char="•"/>
-              <a:defRPr/>
-            </a:pPr>
-            <a:r>
-              <a:rPr sz="2600">
-                <a:solidFill>
-                  <a:srgbClr val="FFFF00"/>
-                </a:solidFill>
-              </a:rPr>
-              <a:t>newdoc</a:t>
-            </a:r>
+            <a:pPr>
+              <a:defRPr/>
+            </a:pPr>
             <a:endParaRPr sz="2600">
               <a:solidFill>
                 <a:srgbClr val="FFFF00"/>
@@ -3392,7 +3779,7 @@
     <a:masterClrMapping/>
   </p:clrMapOvr>
   <mc:AlternateContent xmlns:mc="http://schemas.openxmlformats.org/markup-compatibility/2006">
-    <mc:Choice xmlns:p14="http://schemas.microsoft.com/office/powerpoint/2010/main" Requires="p14">
+    <mc:Choice xmlns:p159="http://schemas.microsoft.com/office/powerpoint/2015/09/main" xmlns:p14="http://schemas.microsoft.com/office/powerpoint/2010/main" Requires="p159">
       <p:transition p14:dur="2000" advClick="1"/>
     </mc:Choice>
     <mc:Fallback>
@@ -3607,4 +3994,211 @@
   </a:themeElements>
   <a:objectDefaults/>
 </a:theme>
+</file>
+
+<file path=ppt/theme/theme2.xml><?xml version="1.0" encoding="utf-8"?>
+<a:theme xmlns:a="http://schemas.openxmlformats.org/drawingml/2006/main" xmlns:r="http://schemas.openxmlformats.org/officeDocument/2006/relationships" xmlns:p="http://schemas.openxmlformats.org/presentationml/2006/main" name="Office Theme">
+  <a:themeElements>
+    <a:clrScheme name="New Office">
+      <a:dk1>
+        <a:sysClr val="windowText" lastClr="000000"/>
+      </a:dk1>
+      <a:lt1>
+        <a:sysClr val="window" lastClr="FFFFFF"/>
+      </a:lt1>
+      <a:dk2>
+        <a:srgbClr val="44546A"/>
+      </a:dk2>
+      <a:lt2>
+        <a:srgbClr val="E7E6E6"/>
+      </a:lt2>
+      <a:accent1>
+        <a:srgbClr val="5B9BD5"/>
+      </a:accent1>
+      <a:accent2>
+        <a:srgbClr val="ED7D31"/>
+      </a:accent2>
+      <a:accent3>
+        <a:srgbClr val="A5A5A5"/>
+      </a:accent3>
+      <a:accent4>
+        <a:srgbClr val="FFC000"/>
+      </a:accent4>
+      <a:accent5>
+        <a:srgbClr val="4472C4"/>
+      </a:accent5>
+      <a:accent6>
+        <a:srgbClr val="70AD47"/>
+      </a:accent6>
+      <a:hlink>
+        <a:srgbClr val="0563C1"/>
+      </a:hlink>
+      <a:folHlink>
+        <a:srgbClr val="954F72"/>
+      </a:folHlink>
+    </a:clrScheme>
+    <a:fontScheme name="">
+      <a:majorFont>
+        <a:latin typeface="Arial"/>
+        <a:ea typeface="Arial"/>
+        <a:cs typeface="Arial"/>
+      </a:majorFont>
+      <a:minorFont>
+        <a:latin typeface="Arial"/>
+        <a:ea typeface="Arial"/>
+        <a:cs typeface="Arial"/>
+      </a:minorFont>
+    </a:fontScheme>
+    <a:fmtScheme name="Office Theme">
+      <a:fillStyleLst>
+        <a:solidFill>
+          <a:schemeClr val="phClr"/>
+        </a:solidFill>
+        <a:gradFill>
+          <a:gsLst>
+            <a:gs pos="0">
+              <a:schemeClr val="phClr">
+                <a:lumMod val="110000"/>
+                <a:satMod val="105000"/>
+                <a:tint val="67000"/>
+              </a:schemeClr>
+            </a:gs>
+            <a:gs pos="50000">
+              <a:schemeClr val="phClr">
+                <a:lumMod val="105000"/>
+                <a:satMod val="103000"/>
+                <a:tint val="73000"/>
+              </a:schemeClr>
+            </a:gs>
+            <a:gs pos="100000">
+              <a:schemeClr val="phClr">
+                <a:lumMod val="105000"/>
+                <a:satMod val="109000"/>
+                <a:tint val="81000"/>
+              </a:schemeClr>
+            </a:gs>
+          </a:gsLst>
+          <a:lin ang="5400000" scaled="0"/>
+        </a:gradFill>
+        <a:gradFill>
+          <a:gsLst>
+            <a:gs pos="0">
+              <a:schemeClr val="phClr">
+                <a:satMod val="103000"/>
+                <a:lumMod val="102000"/>
+                <a:tint val="94000"/>
+              </a:schemeClr>
+            </a:gs>
+            <a:gs pos="50000">
+              <a:schemeClr val="phClr">
+                <a:satMod val="110000"/>
+                <a:lumMod val="100000"/>
+                <a:shade val="100000"/>
+              </a:schemeClr>
+            </a:gs>
+            <a:gs pos="100000">
+              <a:schemeClr val="phClr">
+                <a:lumMod val="99000"/>
+                <a:satMod val="120000"/>
+                <a:shade val="78000"/>
+              </a:schemeClr>
+            </a:gs>
+          </a:gsLst>
+          <a:lin ang="5400000" scaled="0"/>
+        </a:gradFill>
+      </a:fillStyleLst>
+      <a:lnStyleLst>
+        <a:ln w="6350" cap="flat" cmpd="sng" algn="ctr">
+          <a:solidFill>
+            <a:schemeClr val="phClr"/>
+          </a:solidFill>
+          <a:prstDash val="solid"/>
+          <a:miter lim="800000"/>
+        </a:ln>
+        <a:ln w="12700" cap="flat" cmpd="sng" algn="ctr">
+          <a:solidFill>
+            <a:schemeClr val="phClr"/>
+          </a:solidFill>
+          <a:prstDash val="solid"/>
+          <a:miter lim="800000"/>
+        </a:ln>
+        <a:ln w="19050" cap="flat" cmpd="sng" algn="ctr">
+          <a:solidFill>
+            <a:schemeClr val="phClr"/>
+          </a:solidFill>
+          <a:prstDash val="solid"/>
+          <a:miter lim="800000"/>
+        </a:ln>
+      </a:lnStyleLst>
+      <a:effectStyleLst>
+        <a:effectStyle>
+          <a:effectLst>
+            <a:outerShdw blurRad="40000" dist="20000" dir="5400000" rotWithShape="0">
+              <a:srgbClr val="000000">
+                <a:alpha val="38000"/>
+              </a:srgbClr>
+            </a:outerShdw>
+          </a:effectLst>
+        </a:effectStyle>
+        <a:effectStyle>
+          <a:effectLst>
+            <a:outerShdw blurRad="40000" dist="23000" dir="5400000" rotWithShape="0">
+              <a:srgbClr val="000000">
+                <a:alpha val="35000"/>
+              </a:srgbClr>
+            </a:outerShdw>
+          </a:effectLst>
+        </a:effectStyle>
+        <a:effectStyle>
+          <a:effectLst>
+            <a:outerShdw blurRad="40000" dist="23000" dir="5400000" rotWithShape="0">
+              <a:srgbClr val="000000">
+                <a:alpha val="35000"/>
+              </a:srgbClr>
+            </a:outerShdw>
+          </a:effectLst>
+        </a:effectStyle>
+      </a:effectStyleLst>
+      <a:bgFillStyleLst>
+        <a:solidFill>
+          <a:schemeClr val="phClr"/>
+        </a:solidFill>
+        <a:solidFill>
+          <a:schemeClr val="phClr">
+            <a:tint val="95000"/>
+            <a:satMod val="170000"/>
+          </a:schemeClr>
+        </a:solidFill>
+        <a:gradFill>
+          <a:gsLst>
+            <a:gs pos="0">
+              <a:schemeClr val="phClr">
+                <a:tint val="93000"/>
+                <a:satMod val="150000"/>
+                <a:shade val="98000"/>
+                <a:lumMod val="102000"/>
+              </a:schemeClr>
+            </a:gs>
+            <a:gs pos="50000">
+              <a:schemeClr val="phClr">
+                <a:tint val="98000"/>
+                <a:satMod val="130000"/>
+                <a:shade val="90000"/>
+                <a:lumMod val="103000"/>
+              </a:schemeClr>
+            </a:gs>
+            <a:gs pos="100000">
+              <a:schemeClr val="phClr">
+                <a:shade val="63000"/>
+                <a:satMod val="120000"/>
+              </a:schemeClr>
+            </a:gs>
+          </a:gsLst>
+          <a:lin ang="5400000" scaled="0"/>
+        </a:gradFill>
+      </a:bgFillStyleLst>
+    </a:fmtScheme>
+  </a:themeElements>
+  <a:objectDefaults/>
+</a:theme>
 </file>
--- a/Thumbnails/00-Traap-Thubnail.pptx
+++ b/Thumbnails/00-Traap-Thubnail.pptx
@@ -3632,7 +3632,7 @@
         <p:spPr bwMode="auto">
           <a:xfrm flipH="0" flipV="0">
             <a:off x="4540770" y="687240"/>
-            <a:ext cx="7043408" cy="1554840"/>
+            <a:ext cx="7104247" cy="1554840"/>
           </a:xfrm>
           <a:prstGeom prst="rect">
             <a:avLst/>
@@ -3655,7 +3655,26 @@
                   </a:schemeClr>
                 </a:solidFill>
               </a:rPr>
-              <a:t>#30 TMXU &amp; Neovim</a:t>
+              <a:t>#31 NVIMS Update</a:t>
+            </a:r>
+            <a:br>
+              <a:rPr sz="4800">
+                <a:solidFill>
+                  <a:schemeClr val="accent5">
+                    <a:lumMod val="75000"/>
+                  </a:schemeClr>
+                </a:solidFill>
+              </a:rPr>
+            </a:br>
+            <a:r>
+              <a:rPr sz="4800">
+                <a:solidFill>
+                  <a:schemeClr val="accent5">
+                    <a:lumMod val="75000"/>
+                  </a:schemeClr>
+                </a:solidFill>
+              </a:rPr>
+              <a:t> NEVIM Config Switcher     </a:t>
             </a:r>
             <a:endParaRPr sz="4800">
               <a:solidFill>
@@ -3665,20 +3684,32 @@
               </a:solidFill>
             </a:endParaRPr>
           </a:p>
-          <a:p>
-            <a:pPr>
-              <a:defRPr/>
-            </a:pPr>
-            <a:r>
-              <a:rPr sz="4800">
-                <a:solidFill>
-                  <a:schemeClr val="accent5">
-                    <a:lumMod val="75000"/>
-                  </a:schemeClr>
-                </a:solidFill>
-              </a:rPr>
-              <a:t>        Navigation     </a:t>
-            </a:r>
+        </p:txBody>
+      </p:sp>
+      <p:sp>
+        <p:nvSpPr>
+          <p:cNvPr id="1414364764" name=""/>
+          <p:cNvSpPr txBox="1"/>
+          <p:nvPr/>
+        </p:nvSpPr>
+        <p:spPr bwMode="auto">
+          <a:xfrm flipH="0" flipV="0">
+            <a:off x="5868720" y="1510560"/>
+            <a:ext cx="6228839" cy="823320"/>
+          </a:xfrm>
+          <a:prstGeom prst="rect">
+            <a:avLst/>
+          </a:prstGeom>
+          <a:noFill/>
+        </p:spPr>
+        <p:txBody>
+          <a:bodyPr vertOverflow="overflow" horzOverflow="overflow" vert="horz" wrap="square" lIns="91440" tIns="45720" rIns="91440" bIns="45720" numCol="1" spcCol="0" rtlCol="0" fromWordArt="0" anchor="t" anchorCtr="0" forceAA="0" upright="0" compatLnSpc="0">
+            <a:spAutoFit/>
+          </a:bodyPr>
+          <a:p>
+            <a:pPr>
+              <a:defRPr/>
+            </a:pPr>
             <a:endParaRPr sz="4800">
               <a:solidFill>
                 <a:schemeClr val="accent5">
@@ -3691,14 +3722,14 @@
       </p:sp>
       <p:sp>
         <p:nvSpPr>
-          <p:cNvPr id="1414364764" name=""/>
+          <p:cNvPr id="311914269" name=""/>
           <p:cNvSpPr txBox="1"/>
           <p:nvPr/>
         </p:nvSpPr>
         <p:spPr bwMode="auto">
           <a:xfrm flipH="0" flipV="0">
-            <a:off x="5868720" y="1510560"/>
-            <a:ext cx="6228480" cy="823320"/>
+            <a:off x="7112277" y="2242080"/>
+            <a:ext cx="4706573" cy="1280520"/>
           </a:xfrm>
           <a:prstGeom prst="rect">
             <a:avLst/>
@@ -3713,47 +3744,28 @@
             <a:pPr>
               <a:defRPr/>
             </a:pPr>
-            <a:endParaRPr sz="4800">
-              <a:solidFill>
-                <a:schemeClr val="accent5">
-                  <a:lumMod val="75000"/>
-                </a:schemeClr>
-              </a:solidFill>
-            </a:endParaRPr>
-          </a:p>
-        </p:txBody>
-      </p:sp>
-      <p:sp>
-        <p:nvSpPr>
-          <p:cNvPr id="311914269" name=""/>
-          <p:cNvSpPr txBox="1"/>
-          <p:nvPr/>
-        </p:nvSpPr>
-        <p:spPr bwMode="auto">
-          <a:xfrm flipH="0" flipV="0">
-            <a:off x="7112277" y="2242080"/>
-            <a:ext cx="4684614" cy="884279"/>
-          </a:xfrm>
-          <a:prstGeom prst="rect">
-            <a:avLst/>
-          </a:prstGeom>
-          <a:noFill/>
-        </p:spPr>
-        <p:txBody>
-          <a:bodyPr vertOverflow="overflow" horzOverflow="overflow" vert="horz" wrap="square" lIns="91440" tIns="45720" rIns="91440" bIns="45720" numCol="1" spcCol="0" rtlCol="0" fromWordArt="0" anchor="t" anchorCtr="0" forceAA="0" upright="0" compatLnSpc="0">
-            <a:spAutoFit/>
-          </a:bodyPr>
-          <a:p>
-            <a:pPr>
-              <a:defRPr/>
-            </a:pPr>
             <a:r>
               <a:rPr sz="2600">
                 <a:solidFill>
                   <a:srgbClr val="FFFF00"/>
                 </a:solidFill>
               </a:rPr>
-              <a:t>With Ctrl-[H,J,K,L]</a:t>
+              <a:t>Move to Repository</a:t>
+            </a:r>
+            <a:br>
+              <a:rPr sz="2600">
+                <a:solidFill>
+                  <a:srgbClr val="FFFF00"/>
+                </a:solidFill>
+              </a:rPr>
+            </a:br>
+            <a:r>
+              <a:rPr sz="2600">
+                <a:solidFill>
+                  <a:srgbClr val="FFFF00"/>
+                </a:solidFill>
+              </a:rPr>
+              <a:t>https://github.com/Traap/nvims</a:t>
             </a:r>
             <a:endParaRPr sz="2600">
               <a:solidFill>

--- a/Thumbnails/00-Traap-Thubnail.pptx
+++ b/Thumbnails/00-Traap-Thubnail.pptx
@@ -3632,7 +3632,7 @@
         <p:spPr bwMode="auto">
           <a:xfrm flipH="0" flipV="0">
             <a:off x="4540770" y="687240"/>
-            <a:ext cx="7104247" cy="1554840"/>
+            <a:ext cx="7151766" cy="1554840"/>
           </a:xfrm>
           <a:prstGeom prst="rect">
             <a:avLst/>
@@ -3655,7 +3655,7 @@
                   </a:schemeClr>
                 </a:solidFill>
               </a:rPr>
-              <a:t>#31 NVIMS Update</a:t>
+              <a:t>#32 CLIPBOARD IMAGE</a:t>
             </a:r>
             <a:br>
               <a:rPr sz="4800">
@@ -3674,7 +3674,7 @@
                   </a:schemeClr>
                 </a:solidFill>
               </a:rPr>
-              <a:t> NEVIM Config Switcher     </a:t>
+              <a:t>       for Neovim   </a:t>
             </a:r>
             <a:endParaRPr sz="4800">
               <a:solidFill>
@@ -3688,14 +3688,14 @@
       </p:sp>
       <p:sp>
         <p:nvSpPr>
-          <p:cNvPr id="1414364764" name=""/>
+          <p:cNvPr id="311914269" name=""/>
           <p:cNvSpPr txBox="1"/>
           <p:nvPr/>
         </p:nvSpPr>
         <p:spPr bwMode="auto">
           <a:xfrm flipH="0" flipV="0">
-            <a:off x="5868720" y="1510560"/>
-            <a:ext cx="6228839" cy="823320"/>
+            <a:off x="7112277" y="2242080"/>
+            <a:ext cx="4736452" cy="1676759"/>
           </a:xfrm>
           <a:prstGeom prst="rect">
             <a:avLst/>
@@ -3707,41 +3707,9 @@
             <a:spAutoFit/>
           </a:bodyPr>
           <a:p>
-            <a:pPr>
-              <a:defRPr/>
-            </a:pPr>
-            <a:endParaRPr sz="4800">
-              <a:solidFill>
-                <a:schemeClr val="accent5">
-                  <a:lumMod val="75000"/>
-                </a:schemeClr>
-              </a:solidFill>
-            </a:endParaRPr>
-          </a:p>
-        </p:txBody>
-      </p:sp>
-      <p:sp>
-        <p:nvSpPr>
-          <p:cNvPr id="311914269" name=""/>
-          <p:cNvSpPr txBox="1"/>
-          <p:nvPr/>
-        </p:nvSpPr>
-        <p:spPr bwMode="auto">
-          <a:xfrm flipH="0" flipV="0">
-            <a:off x="7112277" y="2242080"/>
-            <a:ext cx="4706573" cy="1280520"/>
-          </a:xfrm>
-          <a:prstGeom prst="rect">
-            <a:avLst/>
-          </a:prstGeom>
-          <a:noFill/>
-        </p:spPr>
-        <p:txBody>
-          <a:bodyPr vertOverflow="overflow" horzOverflow="overflow" vert="horz" wrap="square" lIns="91440" tIns="45720" rIns="91440" bIns="45720" numCol="1" spcCol="0" rtlCol="0" fromWordArt="0" anchor="t" anchorCtr="0" forceAA="0" upright="0" compatLnSpc="0">
-            <a:spAutoFit/>
-          </a:bodyPr>
-          <a:p>
-            <a:pPr>
+            <a:pPr marL="371994" indent="-371994">
+              <a:buFont typeface="Arial"/>
+              <a:buChar char="•"/>
               <a:defRPr/>
             </a:pPr>
             <a:r>
@@ -3750,22 +3718,47 @@
                   <a:srgbClr val="FFFF00"/>
                 </a:solidFill>
               </a:rPr>
-              <a:t>Move to Repository</a:t>
-            </a:r>
-            <a:br>
+              <a:t>Single solution:</a:t>
+            </a:r>
+            <a:endParaRPr sz="2600">
+              <a:solidFill>
+                <a:srgbClr val="FFFF00"/>
+              </a:solidFill>
+            </a:endParaRPr>
+          </a:p>
+          <a:p>
+            <a:pPr marL="772044" lvl="1" indent="-371994">
+              <a:buFont typeface="Arial"/>
+              <a:buChar char="•"/>
+              <a:defRPr/>
+            </a:pPr>
+            <a:r>
               <a:rPr sz="2600">
                 <a:solidFill>
                   <a:srgbClr val="FFFF00"/>
                 </a:solidFill>
               </a:rPr>
-            </a:br>
+              <a:t>Arch / Ubuntu</a:t>
+            </a:r>
+            <a:endParaRPr sz="2600">
+              <a:solidFill>
+                <a:srgbClr val="FFFF00"/>
+              </a:solidFill>
+            </a:endParaRPr>
+          </a:p>
+          <a:p>
+            <a:pPr marL="772044" lvl="1" indent="-371994">
+              <a:buFont typeface="Arial"/>
+              <a:buChar char="•"/>
+              <a:defRPr/>
+            </a:pPr>
             <a:r>
               <a:rPr sz="2600">
                 <a:solidFill>
                   <a:srgbClr val="FFFF00"/>
                 </a:solidFill>
               </a:rPr>
-              <a:t>https://github.com/Traap/nvims</a:t>
+              <a:t>Window 10 / 11</a:t>
             </a:r>
             <a:endParaRPr sz="2600">
               <a:solidFill>
@@ -3774,9 +3767,19 @@
             </a:endParaRPr>
           </a:p>
           <a:p>
-            <a:pPr>
-              <a:defRPr/>
-            </a:pPr>
+            <a:pPr marL="772044" lvl="1" indent="-371994">
+              <a:buFont typeface="Arial"/>
+              <a:buChar char="•"/>
+              <a:defRPr/>
+            </a:pPr>
+            <a:r>
+              <a:rPr sz="2600">
+                <a:solidFill>
+                  <a:srgbClr val="FFFF00"/>
+                </a:solidFill>
+              </a:rPr>
+              <a:t>WSL2 + </a:t>
+            </a:r>
             <a:endParaRPr sz="2600">
               <a:solidFill>
                 <a:srgbClr val="FFFF00"/>

--- a/Thumbnails/00-Traap-Thubnail.pptx
+++ b/Thumbnails/00-Traap-Thubnail.pptx
@@ -3632,7 +3632,7 @@
         <p:spPr bwMode="auto">
           <a:xfrm flipH="0" flipV="0">
             <a:off x="4540770" y="687240"/>
-            <a:ext cx="7151766" cy="1554840"/>
+            <a:ext cx="7167605" cy="1554840"/>
           </a:xfrm>
           <a:prstGeom prst="rect">
             <a:avLst/>
@@ -3655,7 +3655,7 @@
                   </a:schemeClr>
                 </a:solidFill>
               </a:rPr>
-              <a:t>#32 CLIPBOARD IMAGE</a:t>
+              <a:t>#31 NVIMS Update</a:t>
             </a:r>
             <a:br>
               <a:rPr sz="4800">
@@ -3674,7 +3674,7 @@
                   </a:schemeClr>
                 </a:solidFill>
               </a:rPr>
-              <a:t>       for Neovim   </a:t>
+              <a:t>  NeoVim Config Switcher </a:t>
             </a:r>
             <a:endParaRPr sz="4800">
               <a:solidFill>
@@ -3695,7 +3695,7 @@
         <p:spPr bwMode="auto">
           <a:xfrm flipH="0" flipV="0">
             <a:off x="7112277" y="2242080"/>
-            <a:ext cx="4736452" cy="1676759"/>
+            <a:ext cx="4756251" cy="884279"/>
           </a:xfrm>
           <a:prstGeom prst="rect">
             <a:avLst/>
@@ -3707,9 +3707,7 @@
             <a:spAutoFit/>
           </a:bodyPr>
           <a:p>
-            <a:pPr marL="371994" indent="-371994">
-              <a:buFont typeface="Arial"/>
-              <a:buChar char="•"/>
+            <a:pPr lvl="0">
               <a:defRPr/>
             </a:pPr>
             <a:r>
@@ -3718,7 +3716,7 @@
                   <a:srgbClr val="FFFF00"/>
                 </a:solidFill>
               </a:rPr>
-              <a:t>Single solution:</a:t>
+              <a:t>Move Repository</a:t>
             </a:r>
             <a:endParaRPr sz="2600">
               <a:solidFill>
@@ -3727,9 +3725,7 @@
             </a:endParaRPr>
           </a:p>
           <a:p>
-            <a:pPr marL="772044" lvl="1" indent="-371994">
-              <a:buFont typeface="Arial"/>
-              <a:buChar char="•"/>
+            <a:pPr lvl="0">
               <a:defRPr/>
             </a:pPr>
             <a:r>
@@ -3738,47 +3734,7 @@
                   <a:srgbClr val="FFFF00"/>
                 </a:solidFill>
               </a:rPr>
-              <a:t>Arch / Ubuntu</a:t>
-            </a:r>
-            <a:endParaRPr sz="2600">
-              <a:solidFill>
-                <a:srgbClr val="FFFF00"/>
-              </a:solidFill>
-            </a:endParaRPr>
-          </a:p>
-          <a:p>
-            <a:pPr marL="772044" lvl="1" indent="-371994">
-              <a:buFont typeface="Arial"/>
-              <a:buChar char="•"/>
-              <a:defRPr/>
-            </a:pPr>
-            <a:r>
-              <a:rPr sz="2600">
-                <a:solidFill>
-                  <a:srgbClr val="FFFF00"/>
-                </a:solidFill>
-              </a:rPr>
-              <a:t>Window 10 / 11</a:t>
-            </a:r>
-            <a:endParaRPr sz="2600">
-              <a:solidFill>
-                <a:srgbClr val="FFFF00"/>
-              </a:solidFill>
-            </a:endParaRPr>
-          </a:p>
-          <a:p>
-            <a:pPr marL="772044" lvl="1" indent="-371994">
-              <a:buFont typeface="Arial"/>
-              <a:buChar char="•"/>
-              <a:defRPr/>
-            </a:pPr>
-            <a:r>
-              <a:rPr sz="2600">
-                <a:solidFill>
-                  <a:srgbClr val="FFFF00"/>
-                </a:solidFill>
-              </a:rPr>
-              <a:t>WSL2 + </a:t>
+              <a:t>https://github.com/Traap/nvims</a:t>
             </a:r>
             <a:endParaRPr sz="2600">
               <a:solidFill>

--- a/Thumbnails/00-Traap-Thubnail.pptx
+++ b/Thumbnails/00-Traap-Thubnail.pptx
@@ -3632,7 +3632,7 @@
         <p:spPr bwMode="auto">
           <a:xfrm flipH="0" flipV="0">
             <a:off x="4540770" y="687240"/>
-            <a:ext cx="7167605" cy="1554840"/>
+            <a:ext cx="7175884" cy="823320"/>
           </a:xfrm>
           <a:prstGeom prst="rect">
             <a:avLst/>
@@ -3655,9 +3655,9 @@
                   </a:schemeClr>
                 </a:solidFill>
               </a:rPr>
-              <a:t>#31 NVIMS Update</a:t>
-            </a:r>
-            <a:br>
+              <a:t>#33 LSP-ZERO.NVIM</a:t>
+            </a:r>
+            <a:r>
               <a:rPr sz="4800">
                 <a:solidFill>
                   <a:schemeClr val="accent5">
@@ -3665,16 +3665,7 @@
                   </a:schemeClr>
                 </a:solidFill>
               </a:rPr>
-            </a:br>
-            <a:r>
-              <a:rPr sz="4800">
-                <a:solidFill>
-                  <a:schemeClr val="accent5">
-                    <a:lumMod val="75000"/>
-                  </a:schemeClr>
-                </a:solidFill>
-              </a:rPr>
-              <a:t>  NeoVim Config Switcher </a:t>
+              <a:t> </a:t>
             </a:r>
             <a:endParaRPr sz="4800">
               <a:solidFill>
@@ -3694,8 +3685,8 @@
         </p:nvSpPr>
         <p:spPr bwMode="auto">
           <a:xfrm flipH="0" flipV="0">
-            <a:off x="7112277" y="2242080"/>
-            <a:ext cx="4756251" cy="884279"/>
+            <a:off x="5214106" y="1697794"/>
+            <a:ext cx="6689700" cy="1280520"/>
           </a:xfrm>
           <a:prstGeom prst="rect">
             <a:avLst/>
@@ -3716,7 +3707,22 @@
                   <a:srgbClr val="FFFF00"/>
                 </a:solidFill>
               </a:rPr>
-              <a:t>Move Repository</a:t>
+              <a:t>Easy to use Neovim and LSP configuration:</a:t>
+            </a:r>
+            <a:br>
+              <a:rPr sz="2600">
+                <a:solidFill>
+                  <a:srgbClr val="FFFF00"/>
+                </a:solidFill>
+              </a:rPr>
+            </a:br>
+            <a:r>
+              <a:rPr sz="2600">
+                <a:solidFill>
+                  <a:srgbClr val="FFFF00"/>
+                </a:solidFill>
+              </a:rPr>
+              <a:t> </a:t>
             </a:r>
             <a:endParaRPr sz="2600">
               <a:solidFill>
@@ -3734,7 +3740,7 @@
                   <a:srgbClr val="FFFF00"/>
                 </a:solidFill>
               </a:rPr>
-              <a:t>https://github.com/Traap/nvims</a:t>
+              <a:t>https://github.com/Traap/lazy.zero</a:t>
             </a:r>
             <a:endParaRPr sz="2600">
               <a:solidFill>

--- a/Thumbnails/00-Traap-Thubnail.pptx
+++ b/Thumbnails/00-Traap-Thubnail.pptx
@@ -3632,7 +3632,7 @@
         <p:spPr bwMode="auto">
           <a:xfrm flipH="0" flipV="0">
             <a:off x="4540770" y="687240"/>
-            <a:ext cx="7175884" cy="823320"/>
+            <a:ext cx="7181643" cy="823320"/>
           </a:xfrm>
           <a:prstGeom prst="rect">
             <a:avLst/>
@@ -3655,7 +3655,7 @@
                   </a:schemeClr>
                 </a:solidFill>
               </a:rPr>
-              <a:t>#33 LSP-ZERO.NVIM</a:t>
+              <a:t>#34 IMG-CLIP.NVIM</a:t>
             </a:r>
             <a:r>
               <a:rPr sz="4800">
@@ -3685,8 +3685,8 @@
         </p:nvSpPr>
         <p:spPr bwMode="auto">
           <a:xfrm flipH="0" flipV="0">
-            <a:off x="5214106" y="1697794"/>
-            <a:ext cx="6689700" cy="1280520"/>
+            <a:off x="4882432" y="1697793"/>
+            <a:ext cx="7110292" cy="2072999"/>
           </a:xfrm>
           <a:prstGeom prst="rect">
             <a:avLst/>
@@ -3698,7 +3698,7 @@
             <a:spAutoFit/>
           </a:bodyPr>
           <a:p>
-            <a:pPr lvl="0">
+            <a:pPr lvl="0" algn="ctr">
               <a:defRPr/>
             </a:pPr>
             <a:r>
@@ -3707,7 +3707,35 @@
                   <a:srgbClr val="FFFF00"/>
                 </a:solidFill>
               </a:rPr>
-              <a:t>Easy to use Neovim and LSP configuration:</a:t>
+              <a:t>Paste or Drag-n-Drop Images</a:t>
+            </a:r>
+            <a:endParaRPr sz="2600">
+              <a:solidFill>
+                <a:srgbClr val="FFFF00"/>
+              </a:solidFill>
+            </a:endParaRPr>
+          </a:p>
+          <a:p>
+            <a:pPr lvl="0" algn="ctr">
+              <a:defRPr/>
+            </a:pPr>
+            <a:endParaRPr sz="2600">
+              <a:solidFill>
+                <a:srgbClr val="FFFF00"/>
+              </a:solidFill>
+            </a:endParaRPr>
+          </a:p>
+          <a:p>
+            <a:pPr lvl="0" algn="ctr">
+              <a:defRPr/>
+            </a:pPr>
+            <a:r>
+              <a:rPr sz="2600">
+                <a:solidFill>
+                  <a:srgbClr val="FFFF00"/>
+                </a:solidFill>
+              </a:rPr>
+              <a:t>	to your Neovim documents.</a:t>
             </a:r>
             <a:br>
               <a:rPr sz="2600">
@@ -3731,7 +3759,7 @@
             </a:endParaRPr>
           </a:p>
           <a:p>
-            <a:pPr lvl="0">
+            <a:pPr lvl="0" algn="ctr">
               <a:defRPr/>
             </a:pPr>
             <a:r>
@@ -3740,7 +3768,7 @@
                   <a:srgbClr val="FFFF00"/>
                 </a:solidFill>
               </a:rPr>
-              <a:t>https://github.com/Traap/lazy.zero</a:t>
+              <a:t>https://github.com/HakonHarnes/img-clip.nvim</a:t>
             </a:r>
             <a:endParaRPr sz="2600">
               <a:solidFill>

--- a/Thumbnails/00-Traap-Thubnail.pptx
+++ b/Thumbnails/00-Traap-Thubnail.pptx
@@ -3632,7 +3632,7 @@
         <p:spPr bwMode="auto">
           <a:xfrm flipH="0" flipV="0">
             <a:off x="4540770" y="687240"/>
-            <a:ext cx="7181643" cy="823320"/>
+            <a:ext cx="7199282" cy="823320"/>
           </a:xfrm>
           <a:prstGeom prst="rect">
             <a:avLst/>
@@ -3655,7 +3655,7 @@
                   </a:schemeClr>
                 </a:solidFill>
               </a:rPr>
-              <a:t>#34 IMG-CLIP.NVIM</a:t>
+              <a:t>#35 Harpoon2 &amp; Neovim</a:t>
             </a:r>
             <a:r>
               <a:rPr sz="4800">
@@ -3685,8 +3685,8 @@
         </p:nvSpPr>
         <p:spPr bwMode="auto">
           <a:xfrm flipH="0" flipV="0">
-            <a:off x="4882432" y="1697793"/>
-            <a:ext cx="7110292" cy="2072999"/>
+            <a:off x="5941106" y="1697792"/>
+            <a:ext cx="5452421" cy="2072999"/>
           </a:xfrm>
           <a:prstGeom prst="rect">
             <a:avLst/>
@@ -3698,7 +3698,7 @@
             <a:spAutoFit/>
           </a:bodyPr>
           <a:p>
-            <a:pPr lvl="0" algn="ctr">
+            <a:pPr lvl="0" algn="l">
               <a:defRPr/>
             </a:pPr>
             <a:r>
@@ -3707,7 +3707,7 @@
                   <a:srgbClr val="FFFF00"/>
                 </a:solidFill>
               </a:rPr>
-              <a:t>Paste or Drag-n-Drop Images</a:t>
+              <a:t>ThePrimeagen’s Harpoon2</a:t>
             </a:r>
             <a:endParaRPr sz="2600">
               <a:solidFill>
@@ -3716,7 +3716,7 @@
             </a:endParaRPr>
           </a:p>
           <a:p>
-            <a:pPr lvl="0" algn="ctr">
+            <a:pPr lvl="0" algn="l">
               <a:defRPr/>
             </a:pPr>
             <a:endParaRPr sz="2600">
@@ -3726,7 +3726,9 @@
             </a:endParaRPr>
           </a:p>
           <a:p>
-            <a:pPr lvl="0" algn="ctr">
+            <a:pPr marL="371994" lvl="0" indent="-371994" algn="l">
+              <a:buFont typeface="Arial"/>
+              <a:buChar char="•"/>
               <a:defRPr/>
             </a:pPr>
             <a:r>
@@ -3735,40 +3737,37 @@
                   <a:srgbClr val="FFFF00"/>
                 </a:solidFill>
               </a:rPr>
-              <a:t>	to your Neovim documents.</a:t>
-            </a:r>
-            <a:br>
+              <a:t>Amazingly simple upgrade  </a:t>
+            </a:r>
+            <a:endParaRPr sz="2600">
+              <a:solidFill>
+                <a:srgbClr val="FFFF00"/>
+              </a:solidFill>
+            </a:endParaRPr>
+          </a:p>
+          <a:p>
+            <a:pPr lvl="0" algn="l">
+              <a:defRPr/>
+            </a:pPr>
+            <a:endParaRPr sz="2600">
+              <a:solidFill>
+                <a:srgbClr val="FFFF00"/>
+              </a:solidFill>
+            </a:endParaRPr>
+          </a:p>
+          <a:p>
+            <a:pPr marL="371994" lvl="0" indent="-371994" algn="l">
+              <a:buFont typeface="Arial"/>
+              <a:buChar char="•"/>
+              <a:defRPr/>
+            </a:pPr>
+            <a:r>
               <a:rPr sz="2600">
                 <a:solidFill>
                   <a:srgbClr val="FFFF00"/>
                 </a:solidFill>
               </a:rPr>
-            </a:br>
-            <a:r>
-              <a:rPr sz="2600">
-                <a:solidFill>
-                  <a:srgbClr val="FFFF00"/>
-                </a:solidFill>
-              </a:rPr>
-              <a:t> </a:t>
-            </a:r>
-            <a:endParaRPr sz="2600">
-              <a:solidFill>
-                <a:srgbClr val="FFFF00"/>
-              </a:solidFill>
-            </a:endParaRPr>
-          </a:p>
-          <a:p>
-            <a:pPr lvl="0" algn="ctr">
-              <a:defRPr/>
-            </a:pPr>
-            <a:r>
-              <a:rPr sz="2600">
-                <a:solidFill>
-                  <a:srgbClr val="FFFF00"/>
-                </a:solidFill>
-              </a:rPr>
-              <a:t>https://github.com/HakonHarnes/img-clip.nvim</a:t>
+              <a:t>Integration with Telescope</a:t>
             </a:r>
             <a:endParaRPr sz="2600">
               <a:solidFill>

--- a/Thumbnails/00-Traap-Thubnail.pptx
+++ b/Thumbnails/00-Traap-Thubnail.pptx
@@ -3632,7 +3632,7 @@
         <p:spPr bwMode="auto">
           <a:xfrm flipH="0" flipV="0">
             <a:off x="4540770" y="687240"/>
-            <a:ext cx="7199282" cy="823320"/>
+            <a:ext cx="7223761" cy="823320"/>
           </a:xfrm>
           <a:prstGeom prst="rect">
             <a:avLst/>
@@ -3655,7 +3655,7 @@
                   </a:schemeClr>
                 </a:solidFill>
               </a:rPr>
-              <a:t>#35 Harpoon2 &amp; Neovim</a:t>
+              <a:t>#36 lazy.nvim</a:t>
             </a:r>
             <a:r>
               <a:rPr sz="4800">
@@ -3665,7 +3665,7 @@
                   </a:schemeClr>
                 </a:solidFill>
               </a:rPr>
-              <a:t> </a:t>
+              <a:t> &amp; nvims</a:t>
             </a:r>
             <a:endParaRPr sz="4800">
               <a:solidFill>
@@ -3685,8 +3685,8 @@
         </p:nvSpPr>
         <p:spPr bwMode="auto">
           <a:xfrm flipH="0" flipV="0">
-            <a:off x="5941106" y="1697792"/>
-            <a:ext cx="5452421" cy="2072999"/>
+            <a:off x="5941105" y="1510559"/>
+            <a:ext cx="5531620" cy="2469239"/>
           </a:xfrm>
           <a:prstGeom prst="rect">
             <a:avLst/>
@@ -3707,7 +3707,7 @@
                   <a:srgbClr val="FFFF00"/>
                 </a:solidFill>
               </a:rPr>
-              <a:t>ThePrimeagen’s Harpoon2</a:t>
+              <a:t>Demonstrate</a:t>
             </a:r>
             <a:endParaRPr sz="2600">
               <a:solidFill>
@@ -3716,9 +3716,19 @@
             </a:endParaRPr>
           </a:p>
           <a:p>
-            <a:pPr lvl="0" algn="l">
-              <a:defRPr/>
-            </a:pPr>
+            <a:pPr marL="371994" lvl="0" indent="-371994" algn="l">
+              <a:buFont typeface="Arial"/>
+              <a:buChar char="•"/>
+              <a:defRPr/>
+            </a:pPr>
+            <a:r>
+              <a:rPr sz="2600">
+                <a:solidFill>
+                  <a:srgbClr val="FFFF00"/>
+                </a:solidFill>
+              </a:rPr>
+              <a:t>lazy.nvim  </a:t>
+            </a:r>
             <a:endParaRPr sz="2600">
               <a:solidFill>
                 <a:srgbClr val="FFFF00"/>
@@ -3737,7 +3747,7 @@
                   <a:srgbClr val="FFFF00"/>
                 </a:solidFill>
               </a:rPr>
-              <a:t>Amazingly simple upgrade  </a:t>
+              <a:t>Correct dependencies for</a:t>
             </a:r>
             <a:endParaRPr sz="2600">
               <a:solidFill>
@@ -3746,9 +3756,19 @@
             </a:endParaRPr>
           </a:p>
           <a:p>
-            <a:pPr lvl="0" algn="l">
-              <a:defRPr/>
-            </a:pPr>
+            <a:pPr marL="772043" lvl="1" indent="-371993" algn="l">
+              <a:buFont typeface="Arial"/>
+              <a:buChar char="•"/>
+              <a:defRPr/>
+            </a:pPr>
+            <a:r>
+              <a:rPr sz="2600">
+                <a:solidFill>
+                  <a:srgbClr val="FFFF00"/>
+                </a:solidFill>
+              </a:rPr>
+              <a:t>Harpoon</a:t>
+            </a:r>
             <a:endParaRPr sz="2600">
               <a:solidFill>
                 <a:srgbClr val="FFFF00"/>
@@ -3756,7 +3776,7 @@
             </a:endParaRPr>
           </a:p>
           <a:p>
-            <a:pPr marL="371994" lvl="0" indent="-371994" algn="l">
+            <a:pPr marL="772043" lvl="1" indent="-371993" algn="l">
               <a:buFont typeface="Arial"/>
               <a:buChar char="•"/>
               <a:defRPr/>
@@ -3767,8 +3787,15 @@
                   <a:srgbClr val="FFFF00"/>
                 </a:solidFill>
               </a:rPr>
-              <a:t>Integration with Telescope</a:t>
-            </a:r>
+              <a:t>Telescope-fzf-native</a:t>
+            </a:r>
+            <a:br>
+              <a:rPr sz="2600">
+                <a:solidFill>
+                  <a:srgbClr val="FFFF00"/>
+                </a:solidFill>
+              </a:rPr>
+            </a:br>
             <a:endParaRPr sz="2600">
               <a:solidFill>
                 <a:srgbClr val="FFFF00"/>

--- a/Thumbnails/00-Traap-Thubnail.pptx
+++ b/Thumbnails/00-Traap-Thubnail.pptx
@@ -134,7 +134,7 @@
       </p:grpSpPr>
       <p:sp>
         <p:nvSpPr>
-          <p:cNvPr id="2" name="Header Placeholder 1"/>
+          <p:cNvPr id="1251078007" name="Header Placeholder 1"/>
           <p:cNvSpPr>
             <a:spLocks noGrp="1"/>
           </p:cNvSpPr>
@@ -168,7 +168,7 @@
       </p:sp>
       <p:sp>
         <p:nvSpPr>
-          <p:cNvPr id="3" name="Date Placeholder 2"/>
+          <p:cNvPr id="795732937" name="Date Placeholder 2"/>
           <p:cNvSpPr>
             <a:spLocks noGrp="1"/>
           </p:cNvSpPr>
@@ -202,7 +202,7 @@
       </p:sp>
       <p:sp>
         <p:nvSpPr>
-          <p:cNvPr id="3" name="Date Placeholder 2"/>
+          <p:cNvPr id="829641517" name="Date Placeholder 2"/>
           <p:cNvSpPr>
             <a:spLocks noGrp="1"/>
           </p:cNvSpPr>
@@ -236,7 +236,7 @@
       </p:sp>
       <p:sp>
         <p:nvSpPr>
-          <p:cNvPr id="5" name="Notes Placeholder 4"/>
+          <p:cNvPr id="1279064833" name="Notes Placeholder 4"/>
           <p:cNvSpPr>
             <a:spLocks noGrp="1"/>
           </p:cNvSpPr>
@@ -266,7 +266,7 @@
       </p:sp>
       <p:sp>
         <p:nvSpPr>
-          <p:cNvPr id="6" name="Footer Placeholder 5"/>
+          <p:cNvPr id="1871758565" name="Footer Placeholder 5"/>
           <p:cNvSpPr>
             <a:spLocks noGrp="1"/>
           </p:cNvSpPr>
@@ -300,7 +300,7 @@
       </p:sp>
       <p:sp>
         <p:nvSpPr>
-          <p:cNvPr id="7" name="Slide Number Placeholder 6"/>
+          <p:cNvPr id="374063973" name="Slide Number Placeholder 6"/>
           <p:cNvSpPr>
             <a:spLocks noGrp="1"/>
           </p:cNvSpPr>
@@ -449,7 +449,7 @@
       </p:grpSpPr>
       <p:sp>
         <p:nvSpPr>
-          <p:cNvPr id="2" name="Slide Image Placeholder 1"/>
+          <p:cNvPr id="1468785385" name="Slide Image Placeholder 1"/>
           <p:cNvSpPr>
             <a:spLocks noChangeAspect="1" noGrp="1" noRot="1"/>
           </p:cNvSpPr>
@@ -461,7 +461,7 @@
       </p:sp>
       <p:sp>
         <p:nvSpPr>
-          <p:cNvPr id="3" name="Notes Placeholder 2"/>
+          <p:cNvPr id="220530761" name="Notes Placeholder 2"/>
           <p:cNvSpPr>
             <a:spLocks noGrp="1"/>
           </p:cNvSpPr>
@@ -483,7 +483,7 @@
       </p:sp>
       <p:sp>
         <p:nvSpPr>
-          <p:cNvPr id="4" name="Slide Number Placeholder 3"/>
+          <p:cNvPr id="1315000298" name="Slide Number Placeholder 3"/>
           <p:cNvSpPr>
             <a:spLocks noGrp="1"/>
           </p:cNvSpPr>
@@ -509,11 +509,14 @@
       </p:sp>
     </p:spTree>
   </p:cSld>
+  <p:clrMapOvr>
+    <a:masterClrMapping/>
+  </p:clrMapOvr>
 </p:notes>
 </file>
 
 <file path=ppt/slideLayouts/slideLayout1.xml><?xml version="1.0" encoding="utf-8"?>
-<p:sldLayout xmlns:a="http://schemas.openxmlformats.org/drawingml/2006/main" xmlns:r="http://schemas.openxmlformats.org/officeDocument/2006/relationships" xmlns:p="http://schemas.openxmlformats.org/presentationml/2006/main" xmlns:m="http://schemas.openxmlformats.org/officeDocument/2006/math" xmlns:w="http://schemas.openxmlformats.org/wordprocessingml/2006/main" matchingName="" preserve="1" showMasterPhAnim="0" type="title" userDrawn="1">
+<p:sldLayout xmlns:a="http://schemas.openxmlformats.org/drawingml/2006/main" xmlns:r="http://schemas.openxmlformats.org/officeDocument/2006/relationships" xmlns:p="http://schemas.openxmlformats.org/presentationml/2006/main" xmlns:m="http://schemas.openxmlformats.org/officeDocument/2006/math" xmlns:w="http://schemas.openxmlformats.org/wordprocessingml/2006/main" matchingName="" preserve="1" showMasterPhAnim="0" showMasterSp="1" type="title" userDrawn="1">
   <p:cSld name="Title Slide">
     <p:spTree>
       <p:nvGrpSpPr>
@@ -531,7 +534,7 @@
       </p:grpSpPr>
       <p:sp>
         <p:nvSpPr>
-          <p:cNvPr id="2" name="Title 1"/>
+          <p:cNvPr id="1565964098" name="Title 1"/>
           <p:cNvSpPr>
             <a:spLocks noGrp="1"/>
           </p:cNvSpPr>
@@ -566,7 +569,7 @@
       </p:sp>
       <p:sp>
         <p:nvSpPr>
-          <p:cNvPr id="3" name="Subtitle 2"/>
+          <p:cNvPr id="392280995" name="Subtitle 2"/>
           <p:cNvSpPr>
             <a:spLocks noGrp="1"/>
           </p:cNvSpPr>
@@ -634,7 +637,7 @@
       </p:sp>
       <p:sp>
         <p:nvSpPr>
-          <p:cNvPr id="4" name="Date Placeholder 3"/>
+          <p:cNvPr id="1332910933" name="Date Placeholder 3"/>
           <p:cNvSpPr>
             <a:spLocks noGrp="1"/>
           </p:cNvSpPr>
@@ -660,7 +663,7 @@
       </p:sp>
       <p:sp>
         <p:nvSpPr>
-          <p:cNvPr id="5" name="Footer Placeholder 4"/>
+          <p:cNvPr id="2052872612" name="Footer Placeholder 4"/>
           <p:cNvSpPr>
             <a:spLocks noGrp="1"/>
           </p:cNvSpPr>
@@ -682,7 +685,7 @@
       </p:sp>
       <p:sp>
         <p:nvSpPr>
-          <p:cNvPr id="6" name="Slide Number Placeholder 5"/>
+          <p:cNvPr id="900355582" name="Slide Number Placeholder 5"/>
           <p:cNvSpPr>
             <a:spLocks noGrp="1"/>
           </p:cNvSpPr>
@@ -715,7 +718,7 @@
 </file>
 
 <file path=ppt/slideLayouts/slideLayout10.xml><?xml version="1.0" encoding="utf-8"?>
-<p:sldLayout xmlns:a="http://schemas.openxmlformats.org/drawingml/2006/main" xmlns:r="http://schemas.openxmlformats.org/officeDocument/2006/relationships" xmlns:p="http://schemas.openxmlformats.org/presentationml/2006/main" xmlns:m="http://schemas.openxmlformats.org/officeDocument/2006/math" xmlns:w="http://schemas.openxmlformats.org/wordprocessingml/2006/main" matchingName="" preserve="1" showMasterPhAnim="0" type="vertTx" userDrawn="1">
+<p:sldLayout xmlns:a="http://schemas.openxmlformats.org/drawingml/2006/main" xmlns:r="http://schemas.openxmlformats.org/officeDocument/2006/relationships" xmlns:p="http://schemas.openxmlformats.org/presentationml/2006/main" xmlns:m="http://schemas.openxmlformats.org/officeDocument/2006/math" xmlns:w="http://schemas.openxmlformats.org/wordprocessingml/2006/main" matchingName="" preserve="1" showMasterPhAnim="0" showMasterSp="1" type="vertTx" userDrawn="1">
   <p:cSld name="Title and Vertical Text">
     <p:spTree>
       <p:nvGrpSpPr>
@@ -733,7 +736,7 @@
       </p:grpSpPr>
       <p:sp>
         <p:nvSpPr>
-          <p:cNvPr id="2" name="Title 1"/>
+          <p:cNvPr id="76031392" name="Title 1"/>
           <p:cNvSpPr>
             <a:spLocks noGrp="1"/>
           </p:cNvSpPr>
@@ -759,7 +762,7 @@
       </p:sp>
       <p:sp>
         <p:nvSpPr>
-          <p:cNvPr id="3" name="Vertical Text Placeholder 2"/>
+          <p:cNvPr id="411944822" name="Vertical Text Placeholder 2"/>
           <p:cNvSpPr>
             <a:spLocks noGrp="1"/>
           </p:cNvSpPr>
@@ -825,7 +828,7 @@
       </p:sp>
       <p:sp>
         <p:nvSpPr>
-          <p:cNvPr id="4" name="Date Placeholder 3"/>
+          <p:cNvPr id="717125932" name="Date Placeholder 3"/>
           <p:cNvSpPr>
             <a:spLocks noGrp="1"/>
           </p:cNvSpPr>
@@ -851,7 +854,7 @@
       </p:sp>
       <p:sp>
         <p:nvSpPr>
-          <p:cNvPr id="5" name="Footer Placeholder 4"/>
+          <p:cNvPr id="407516152" name="Footer Placeholder 4"/>
           <p:cNvSpPr>
             <a:spLocks noGrp="1"/>
           </p:cNvSpPr>
@@ -873,7 +876,7 @@
       </p:sp>
       <p:sp>
         <p:nvSpPr>
-          <p:cNvPr id="6" name="Slide Number Placeholder 5"/>
+          <p:cNvPr id="395667909" name="Slide Number Placeholder 5"/>
           <p:cNvSpPr>
             <a:spLocks noGrp="1"/>
           </p:cNvSpPr>
@@ -906,7 +909,7 @@
 </file>
 
 <file path=ppt/slideLayouts/slideLayout11.xml><?xml version="1.0" encoding="utf-8"?>
-<p:sldLayout xmlns:a="http://schemas.openxmlformats.org/drawingml/2006/main" xmlns:r="http://schemas.openxmlformats.org/officeDocument/2006/relationships" xmlns:p="http://schemas.openxmlformats.org/presentationml/2006/main" xmlns:m="http://schemas.openxmlformats.org/officeDocument/2006/math" xmlns:w="http://schemas.openxmlformats.org/wordprocessingml/2006/main" matchingName="" preserve="1" showMasterPhAnim="0" type="vertTitleAndTx" userDrawn="1">
+<p:sldLayout xmlns:a="http://schemas.openxmlformats.org/drawingml/2006/main" xmlns:r="http://schemas.openxmlformats.org/officeDocument/2006/relationships" xmlns:p="http://schemas.openxmlformats.org/presentationml/2006/main" xmlns:m="http://schemas.openxmlformats.org/officeDocument/2006/math" xmlns:w="http://schemas.openxmlformats.org/wordprocessingml/2006/main" matchingName="" preserve="1" showMasterPhAnim="0" showMasterSp="1" type="vertTitleAndTx" userDrawn="1">
   <p:cSld name="Vertical Title and Text">
     <p:spTree>
       <p:nvGrpSpPr>
@@ -924,7 +927,7 @@
       </p:grpSpPr>
       <p:sp>
         <p:nvSpPr>
-          <p:cNvPr id="2" name="Vertical Title 1"/>
+          <p:cNvPr id="182283055" name="Vertical Title 1"/>
           <p:cNvSpPr>
             <a:spLocks noGrp="1"/>
           </p:cNvSpPr>
@@ -955,7 +958,7 @@
       </p:sp>
       <p:sp>
         <p:nvSpPr>
-          <p:cNvPr id="3" name="Vertical Text Placeholder 2"/>
+          <p:cNvPr id="767207108" name="Vertical Text Placeholder 2"/>
           <p:cNvSpPr>
             <a:spLocks noGrp="1"/>
           </p:cNvSpPr>
@@ -1026,7 +1029,7 @@
       </p:sp>
       <p:sp>
         <p:nvSpPr>
-          <p:cNvPr id="4" name="Date Placeholder 3"/>
+          <p:cNvPr id="1458602704" name="Date Placeholder 3"/>
           <p:cNvSpPr>
             <a:spLocks noGrp="1"/>
           </p:cNvSpPr>
@@ -1052,7 +1055,7 @@
       </p:sp>
       <p:sp>
         <p:nvSpPr>
-          <p:cNvPr id="5" name="Footer Placeholder 4"/>
+          <p:cNvPr id="863739094" name="Footer Placeholder 4"/>
           <p:cNvSpPr>
             <a:spLocks noGrp="1"/>
           </p:cNvSpPr>
@@ -1074,7 +1077,7 @@
       </p:sp>
       <p:sp>
         <p:nvSpPr>
-          <p:cNvPr id="6" name="Slide Number Placeholder 5"/>
+          <p:cNvPr id="1711829391" name="Slide Number Placeholder 5"/>
           <p:cNvSpPr>
             <a:spLocks noGrp="1"/>
           </p:cNvSpPr>
@@ -1107,7 +1110,7 @@
 </file>
 
 <file path=ppt/slideLayouts/slideLayout2.xml><?xml version="1.0" encoding="utf-8"?>
-<p:sldLayout xmlns:a="http://schemas.openxmlformats.org/drawingml/2006/main" xmlns:r="http://schemas.openxmlformats.org/officeDocument/2006/relationships" xmlns:p="http://schemas.openxmlformats.org/presentationml/2006/main" xmlns:m="http://schemas.openxmlformats.org/officeDocument/2006/math" xmlns:w="http://schemas.openxmlformats.org/wordprocessingml/2006/main" matchingName="" preserve="1" showMasterPhAnim="0" type="obj" userDrawn="1">
+<p:sldLayout xmlns:a="http://schemas.openxmlformats.org/drawingml/2006/main" xmlns:r="http://schemas.openxmlformats.org/officeDocument/2006/relationships" xmlns:p="http://schemas.openxmlformats.org/presentationml/2006/main" xmlns:m="http://schemas.openxmlformats.org/officeDocument/2006/math" xmlns:w="http://schemas.openxmlformats.org/wordprocessingml/2006/main" matchingName="" preserve="1" showMasterPhAnim="0" showMasterSp="1" type="obj" userDrawn="1">
   <p:cSld name="Title and Content">
     <p:spTree>
       <p:nvGrpSpPr>
@@ -1125,7 +1128,7 @@
       </p:grpSpPr>
       <p:sp>
         <p:nvSpPr>
-          <p:cNvPr id="2" name="Title 1"/>
+          <p:cNvPr id="1869214859" name="Title 1"/>
           <p:cNvSpPr>
             <a:spLocks noGrp="1"/>
           </p:cNvSpPr>
@@ -1151,7 +1154,7 @@
       </p:sp>
       <p:sp>
         <p:nvSpPr>
-          <p:cNvPr id="3" name="Content Placeholder 2"/>
+          <p:cNvPr id="41305336" name="Content Placeholder 2"/>
           <p:cNvSpPr>
             <a:spLocks noGrp="1"/>
           </p:cNvSpPr>
@@ -1217,7 +1220,7 @@
       </p:sp>
       <p:sp>
         <p:nvSpPr>
-          <p:cNvPr id="4" name="Date Placeholder 3"/>
+          <p:cNvPr id="873933429" name="Date Placeholder 3"/>
           <p:cNvSpPr>
             <a:spLocks noGrp="1"/>
           </p:cNvSpPr>
@@ -1243,7 +1246,7 @@
       </p:sp>
       <p:sp>
         <p:nvSpPr>
-          <p:cNvPr id="5" name="Footer Placeholder 4"/>
+          <p:cNvPr id="440571327" name="Footer Placeholder 4"/>
           <p:cNvSpPr>
             <a:spLocks noGrp="1"/>
           </p:cNvSpPr>
@@ -1265,7 +1268,7 @@
       </p:sp>
       <p:sp>
         <p:nvSpPr>
-          <p:cNvPr id="6" name="Slide Number Placeholder 5"/>
+          <p:cNvPr id="515807819" name="Slide Number Placeholder 5"/>
           <p:cNvSpPr>
             <a:spLocks noGrp="1"/>
           </p:cNvSpPr>
@@ -1298,7 +1301,7 @@
 </file>
 
 <file path=ppt/slideLayouts/slideLayout3.xml><?xml version="1.0" encoding="utf-8"?>
-<p:sldLayout xmlns:a="http://schemas.openxmlformats.org/drawingml/2006/main" xmlns:r="http://schemas.openxmlformats.org/officeDocument/2006/relationships" xmlns:p="http://schemas.openxmlformats.org/presentationml/2006/main" xmlns:m="http://schemas.openxmlformats.org/officeDocument/2006/math" xmlns:w="http://schemas.openxmlformats.org/wordprocessingml/2006/main" matchingName="" preserve="1" showMasterPhAnim="0" type="secHead" userDrawn="1">
+<p:sldLayout xmlns:a="http://schemas.openxmlformats.org/drawingml/2006/main" xmlns:r="http://schemas.openxmlformats.org/officeDocument/2006/relationships" xmlns:p="http://schemas.openxmlformats.org/presentationml/2006/main" xmlns:m="http://schemas.openxmlformats.org/officeDocument/2006/math" xmlns:w="http://schemas.openxmlformats.org/wordprocessingml/2006/main" matchingName="" preserve="1" showMasterPhAnim="0" showMasterSp="1" type="secHead" userDrawn="1">
   <p:cSld name="Section Header">
     <p:spTree>
       <p:nvGrpSpPr>
@@ -1316,7 +1319,7 @@
       </p:grpSpPr>
       <p:sp>
         <p:nvSpPr>
-          <p:cNvPr id="2" name="Title 1"/>
+          <p:cNvPr id="944876811" name="Title 1"/>
           <p:cNvSpPr>
             <a:spLocks noGrp="1"/>
           </p:cNvSpPr>
@@ -1351,7 +1354,7 @@
       </p:sp>
       <p:sp>
         <p:nvSpPr>
-          <p:cNvPr id="3" name="Text Placeholder 2"/>
+          <p:cNvPr id="1127558541" name="Text Placeholder 2"/>
           <p:cNvSpPr>
             <a:spLocks noGrp="1"/>
           </p:cNvSpPr>
@@ -1473,7 +1476,7 @@
       </p:sp>
       <p:sp>
         <p:nvSpPr>
-          <p:cNvPr id="4" name="Date Placeholder 3"/>
+          <p:cNvPr id="1098490810" name="Date Placeholder 3"/>
           <p:cNvSpPr>
             <a:spLocks noGrp="1"/>
           </p:cNvSpPr>
@@ -1499,7 +1502,7 @@
       </p:sp>
       <p:sp>
         <p:nvSpPr>
-          <p:cNvPr id="5" name="Footer Placeholder 4"/>
+          <p:cNvPr id="2110138825" name="Footer Placeholder 4"/>
           <p:cNvSpPr>
             <a:spLocks noGrp="1"/>
           </p:cNvSpPr>
@@ -1521,7 +1524,7 @@
       </p:sp>
       <p:sp>
         <p:nvSpPr>
-          <p:cNvPr id="6" name="Slide Number Placeholder 5"/>
+          <p:cNvPr id="2097793431" name="Slide Number Placeholder 5"/>
           <p:cNvSpPr>
             <a:spLocks noGrp="1"/>
           </p:cNvSpPr>
@@ -1554,7 +1557,7 @@
 </file>
 
 <file path=ppt/slideLayouts/slideLayout4.xml><?xml version="1.0" encoding="utf-8"?>
-<p:sldLayout xmlns:a="http://schemas.openxmlformats.org/drawingml/2006/main" xmlns:r="http://schemas.openxmlformats.org/officeDocument/2006/relationships" xmlns:p="http://schemas.openxmlformats.org/presentationml/2006/main" xmlns:m="http://schemas.openxmlformats.org/officeDocument/2006/math" xmlns:w="http://schemas.openxmlformats.org/wordprocessingml/2006/main" matchingName="" preserve="1" showMasterPhAnim="0" type="twoObj" userDrawn="1">
+<p:sldLayout xmlns:a="http://schemas.openxmlformats.org/drawingml/2006/main" xmlns:r="http://schemas.openxmlformats.org/officeDocument/2006/relationships" xmlns:p="http://schemas.openxmlformats.org/presentationml/2006/main" xmlns:m="http://schemas.openxmlformats.org/officeDocument/2006/math" xmlns:w="http://schemas.openxmlformats.org/wordprocessingml/2006/main" matchingName="" preserve="1" showMasterPhAnim="0" showMasterSp="1" type="twoObj" userDrawn="1">
   <p:cSld name="Two Content">
     <p:spTree>
       <p:nvGrpSpPr>
@@ -1572,7 +1575,7 @@
       </p:grpSpPr>
       <p:sp>
         <p:nvSpPr>
-          <p:cNvPr id="2" name="Title 1"/>
+          <p:cNvPr id="1177665599" name="Title 1"/>
           <p:cNvSpPr>
             <a:spLocks noGrp="1"/>
           </p:cNvSpPr>
@@ -1598,7 +1601,7 @@
       </p:sp>
       <p:sp>
         <p:nvSpPr>
-          <p:cNvPr id="3" name="Content Placeholder 2"/>
+          <p:cNvPr id="1779890592" name="Content Placeholder 2"/>
           <p:cNvSpPr>
             <a:spLocks noGrp="1"/>
           </p:cNvSpPr>
@@ -1669,7 +1672,7 @@
       </p:sp>
       <p:sp>
         <p:nvSpPr>
-          <p:cNvPr id="4" name="Content Placeholder 3"/>
+          <p:cNvPr id="1152108132" name="Content Placeholder 3"/>
           <p:cNvSpPr>
             <a:spLocks noGrp="1"/>
           </p:cNvSpPr>
@@ -1740,7 +1743,7 @@
       </p:sp>
       <p:sp>
         <p:nvSpPr>
-          <p:cNvPr id="5" name="Date Placeholder 4"/>
+          <p:cNvPr id="1984423915" name="Date Placeholder 4"/>
           <p:cNvSpPr>
             <a:spLocks noGrp="1"/>
           </p:cNvSpPr>
@@ -1766,7 +1769,7 @@
       </p:sp>
       <p:sp>
         <p:nvSpPr>
-          <p:cNvPr id="6" name="Footer Placeholder 5"/>
+          <p:cNvPr id="890497977" name="Footer Placeholder 5"/>
           <p:cNvSpPr>
             <a:spLocks noGrp="1"/>
           </p:cNvSpPr>
@@ -1788,7 +1791,7 @@
       </p:sp>
       <p:sp>
         <p:nvSpPr>
-          <p:cNvPr id="7" name="Slide Number Placeholder 6"/>
+          <p:cNvPr id="934475179" name="Slide Number Placeholder 6"/>
           <p:cNvSpPr>
             <a:spLocks noGrp="1"/>
           </p:cNvSpPr>
@@ -1821,7 +1824,7 @@
 </file>
 
 <file path=ppt/slideLayouts/slideLayout5.xml><?xml version="1.0" encoding="utf-8"?>
-<p:sldLayout xmlns:a="http://schemas.openxmlformats.org/drawingml/2006/main" xmlns:r="http://schemas.openxmlformats.org/officeDocument/2006/relationships" xmlns:p="http://schemas.openxmlformats.org/presentationml/2006/main" xmlns:m="http://schemas.openxmlformats.org/officeDocument/2006/math" xmlns:w="http://schemas.openxmlformats.org/wordprocessingml/2006/main" matchingName="" preserve="1" showMasterPhAnim="0" type="twoTxTwoObj" userDrawn="1">
+<p:sldLayout xmlns:a="http://schemas.openxmlformats.org/drawingml/2006/main" xmlns:r="http://schemas.openxmlformats.org/officeDocument/2006/relationships" xmlns:p="http://schemas.openxmlformats.org/presentationml/2006/main" xmlns:m="http://schemas.openxmlformats.org/officeDocument/2006/math" xmlns:w="http://schemas.openxmlformats.org/wordprocessingml/2006/main" matchingName="" preserve="1" showMasterPhAnim="0" showMasterSp="1" type="twoTxTwoObj" userDrawn="1">
   <p:cSld name="Comparison">
     <p:spTree>
       <p:nvGrpSpPr>
@@ -1839,7 +1842,7 @@
       </p:grpSpPr>
       <p:sp>
         <p:nvSpPr>
-          <p:cNvPr id="2" name="Title 1"/>
+          <p:cNvPr id="1630535775" name="Title 1"/>
           <p:cNvSpPr>
             <a:spLocks noGrp="1"/>
           </p:cNvSpPr>
@@ -1870,7 +1873,7 @@
       </p:sp>
       <p:sp>
         <p:nvSpPr>
-          <p:cNvPr id="3" name="Text Placeholder 2"/>
+          <p:cNvPr id="203091960" name="Text Placeholder 2"/>
           <p:cNvSpPr>
             <a:spLocks noGrp="1"/>
           </p:cNvSpPr>
@@ -1938,7 +1941,7 @@
       </p:sp>
       <p:sp>
         <p:nvSpPr>
-          <p:cNvPr id="4" name="Content Placeholder 3"/>
+          <p:cNvPr id="1691341001" name="Content Placeholder 3"/>
           <p:cNvSpPr>
             <a:spLocks noGrp="1"/>
           </p:cNvSpPr>
@@ -2009,7 +2012,7 @@
       </p:sp>
       <p:sp>
         <p:nvSpPr>
-          <p:cNvPr id="5" name="Text Placeholder 4"/>
+          <p:cNvPr id="1550826321" name="Text Placeholder 4"/>
           <p:cNvSpPr>
             <a:spLocks noGrp="1"/>
           </p:cNvSpPr>
@@ -2077,7 +2080,7 @@
       </p:sp>
       <p:sp>
         <p:nvSpPr>
-          <p:cNvPr id="6" name="Content Placeholder 5"/>
+          <p:cNvPr id="835084215" name="Content Placeholder 5"/>
           <p:cNvSpPr>
             <a:spLocks noGrp="1"/>
           </p:cNvSpPr>
@@ -2148,7 +2151,7 @@
       </p:sp>
       <p:sp>
         <p:nvSpPr>
-          <p:cNvPr id="7" name="Date Placeholder 6"/>
+          <p:cNvPr id="1027754993" name="Date Placeholder 6"/>
           <p:cNvSpPr>
             <a:spLocks noGrp="1"/>
           </p:cNvSpPr>
@@ -2174,7 +2177,7 @@
       </p:sp>
       <p:sp>
         <p:nvSpPr>
-          <p:cNvPr id="8" name="Footer Placeholder 7"/>
+          <p:cNvPr id="1902853835" name="Footer Placeholder 7"/>
           <p:cNvSpPr>
             <a:spLocks noGrp="1"/>
           </p:cNvSpPr>
@@ -2196,7 +2199,7 @@
       </p:sp>
       <p:sp>
         <p:nvSpPr>
-          <p:cNvPr id="9" name="Slide Number Placeholder 8"/>
+          <p:cNvPr id="1908742928" name="Slide Number Placeholder 8"/>
           <p:cNvSpPr>
             <a:spLocks noGrp="1"/>
           </p:cNvSpPr>
@@ -2229,7 +2232,7 @@
 </file>
 
 <file path=ppt/slideLayouts/slideLayout6.xml><?xml version="1.0" encoding="utf-8"?>
-<p:sldLayout xmlns:a="http://schemas.openxmlformats.org/drawingml/2006/main" xmlns:r="http://schemas.openxmlformats.org/officeDocument/2006/relationships" xmlns:p="http://schemas.openxmlformats.org/presentationml/2006/main" xmlns:m="http://schemas.openxmlformats.org/officeDocument/2006/math" xmlns:w="http://schemas.openxmlformats.org/wordprocessingml/2006/main" matchingName="" preserve="1" showMasterPhAnim="0" type="titleOnly" userDrawn="1">
+<p:sldLayout xmlns:a="http://schemas.openxmlformats.org/drawingml/2006/main" xmlns:r="http://schemas.openxmlformats.org/officeDocument/2006/relationships" xmlns:p="http://schemas.openxmlformats.org/presentationml/2006/main" xmlns:m="http://schemas.openxmlformats.org/officeDocument/2006/math" xmlns:w="http://schemas.openxmlformats.org/wordprocessingml/2006/main" matchingName="" preserve="1" showMasterPhAnim="0" showMasterSp="1" type="titleOnly" userDrawn="1">
   <p:cSld name="Title Only">
     <p:spTree>
       <p:nvGrpSpPr>
@@ -2247,7 +2250,7 @@
       </p:grpSpPr>
       <p:sp>
         <p:nvSpPr>
-          <p:cNvPr id="2" name="Title 1"/>
+          <p:cNvPr id="1265452247" name="Title 1"/>
           <p:cNvSpPr>
             <a:spLocks noGrp="1"/>
           </p:cNvSpPr>
@@ -2273,7 +2276,7 @@
       </p:sp>
       <p:sp>
         <p:nvSpPr>
-          <p:cNvPr id="3" name="Date Placeholder 2"/>
+          <p:cNvPr id="1146177735" name="Date Placeholder 2"/>
           <p:cNvSpPr>
             <a:spLocks noGrp="1"/>
           </p:cNvSpPr>
@@ -2299,7 +2302,7 @@
       </p:sp>
       <p:sp>
         <p:nvSpPr>
-          <p:cNvPr id="4" name="Footer Placeholder 3"/>
+          <p:cNvPr id="32858273" name="Footer Placeholder 3"/>
           <p:cNvSpPr>
             <a:spLocks noGrp="1"/>
           </p:cNvSpPr>
@@ -2321,7 +2324,7 @@
       </p:sp>
       <p:sp>
         <p:nvSpPr>
-          <p:cNvPr id="5" name="Slide Number Placeholder 4"/>
+          <p:cNvPr id="2085729533" name="Slide Number Placeholder 4"/>
           <p:cNvSpPr>
             <a:spLocks noGrp="1"/>
           </p:cNvSpPr>
@@ -2354,7 +2357,7 @@
 </file>
 
 <file path=ppt/slideLayouts/slideLayout7.xml><?xml version="1.0" encoding="utf-8"?>
-<p:sldLayout xmlns:a="http://schemas.openxmlformats.org/drawingml/2006/main" xmlns:r="http://schemas.openxmlformats.org/officeDocument/2006/relationships" xmlns:p="http://schemas.openxmlformats.org/presentationml/2006/main" xmlns:m="http://schemas.openxmlformats.org/officeDocument/2006/math" xmlns:w="http://schemas.openxmlformats.org/wordprocessingml/2006/main" matchingName="" preserve="1" showMasterPhAnim="0" type="blank" userDrawn="1">
+<p:sldLayout xmlns:a="http://schemas.openxmlformats.org/drawingml/2006/main" xmlns:r="http://schemas.openxmlformats.org/officeDocument/2006/relationships" xmlns:p="http://schemas.openxmlformats.org/presentationml/2006/main" xmlns:m="http://schemas.openxmlformats.org/officeDocument/2006/math" xmlns:w="http://schemas.openxmlformats.org/wordprocessingml/2006/main" matchingName="" preserve="1" showMasterPhAnim="0" showMasterSp="1" type="blank" userDrawn="1">
   <p:cSld name="Blank">
     <p:spTree>
       <p:nvGrpSpPr>
@@ -2372,7 +2375,7 @@
       </p:grpSpPr>
       <p:sp>
         <p:nvSpPr>
-          <p:cNvPr id="2" name="Date Placeholder 1"/>
+          <p:cNvPr id="967594641" name="Date Placeholder 1"/>
           <p:cNvSpPr>
             <a:spLocks noGrp="1"/>
           </p:cNvSpPr>
@@ -2398,7 +2401,7 @@
       </p:sp>
       <p:sp>
         <p:nvSpPr>
-          <p:cNvPr id="3" name="Footer Placeholder 2"/>
+          <p:cNvPr id="319539976" name="Footer Placeholder 2"/>
           <p:cNvSpPr>
             <a:spLocks noGrp="1"/>
           </p:cNvSpPr>
@@ -2420,7 +2423,7 @@
       </p:sp>
       <p:sp>
         <p:nvSpPr>
-          <p:cNvPr id="4" name="Slide Number Placeholder 3"/>
+          <p:cNvPr id="1035670327" name="Slide Number Placeholder 3"/>
           <p:cNvSpPr>
             <a:spLocks noGrp="1"/>
           </p:cNvSpPr>
@@ -2453,7 +2456,7 @@
 </file>
 
 <file path=ppt/slideLayouts/slideLayout8.xml><?xml version="1.0" encoding="utf-8"?>
-<p:sldLayout xmlns:a="http://schemas.openxmlformats.org/drawingml/2006/main" xmlns:r="http://schemas.openxmlformats.org/officeDocument/2006/relationships" xmlns:p="http://schemas.openxmlformats.org/presentationml/2006/main" xmlns:m="http://schemas.openxmlformats.org/officeDocument/2006/math" xmlns:w="http://schemas.openxmlformats.org/wordprocessingml/2006/main" matchingName="" preserve="1" showMasterPhAnim="0" type="objTx" userDrawn="1">
+<p:sldLayout xmlns:a="http://schemas.openxmlformats.org/drawingml/2006/main" xmlns:r="http://schemas.openxmlformats.org/officeDocument/2006/relationships" xmlns:p="http://schemas.openxmlformats.org/presentationml/2006/main" xmlns:m="http://schemas.openxmlformats.org/officeDocument/2006/math" xmlns:w="http://schemas.openxmlformats.org/wordprocessingml/2006/main" matchingName="" preserve="1" showMasterPhAnim="0" showMasterSp="1" type="objTx" userDrawn="1">
   <p:cSld name="Content with Caption">
     <p:spTree>
       <p:nvGrpSpPr>
@@ -2471,7 +2474,7 @@
       </p:grpSpPr>
       <p:sp>
         <p:nvSpPr>
-          <p:cNvPr id="2" name="Title 1"/>
+          <p:cNvPr id="851625749" name="Title 1"/>
           <p:cNvSpPr>
             <a:spLocks noGrp="1"/>
           </p:cNvSpPr>
@@ -2506,7 +2509,7 @@
       </p:sp>
       <p:sp>
         <p:nvSpPr>
-          <p:cNvPr id="3" name="Content Placeholder 2"/>
+          <p:cNvPr id="253476915" name="Content Placeholder 2"/>
           <p:cNvSpPr>
             <a:spLocks noGrp="1"/>
           </p:cNvSpPr>
@@ -2605,7 +2608,7 @@
       </p:sp>
       <p:sp>
         <p:nvSpPr>
-          <p:cNvPr id="4" name="Text Placeholder 3"/>
+          <p:cNvPr id="622914423" name="Text Placeholder 3"/>
           <p:cNvSpPr>
             <a:spLocks noGrp="1"/>
           </p:cNvSpPr>
@@ -2673,7 +2676,7 @@
       </p:sp>
       <p:sp>
         <p:nvSpPr>
-          <p:cNvPr id="5" name="Date Placeholder 4"/>
+          <p:cNvPr id="970425781" name="Date Placeholder 4"/>
           <p:cNvSpPr>
             <a:spLocks noGrp="1"/>
           </p:cNvSpPr>
@@ -2699,7 +2702,7 @@
       </p:sp>
       <p:sp>
         <p:nvSpPr>
-          <p:cNvPr id="6" name="Footer Placeholder 5"/>
+          <p:cNvPr id="149253094" name="Footer Placeholder 5"/>
           <p:cNvSpPr>
             <a:spLocks noGrp="1"/>
           </p:cNvSpPr>
@@ -2721,7 +2724,7 @@
       </p:sp>
       <p:sp>
         <p:nvSpPr>
-          <p:cNvPr id="7" name="Slide Number Placeholder 6"/>
+          <p:cNvPr id="326395496" name="Slide Number Placeholder 6"/>
           <p:cNvSpPr>
             <a:spLocks noGrp="1"/>
           </p:cNvSpPr>
@@ -2754,7 +2757,7 @@
 </file>
 
 <file path=ppt/slideLayouts/slideLayout9.xml><?xml version="1.0" encoding="utf-8"?>
-<p:sldLayout xmlns:a="http://schemas.openxmlformats.org/drawingml/2006/main" xmlns:r="http://schemas.openxmlformats.org/officeDocument/2006/relationships" xmlns:p="http://schemas.openxmlformats.org/presentationml/2006/main" xmlns:m="http://schemas.openxmlformats.org/officeDocument/2006/math" xmlns:w="http://schemas.openxmlformats.org/wordprocessingml/2006/main" matchingName="" preserve="1" showMasterPhAnim="0" type="picTx" userDrawn="1">
+<p:sldLayout xmlns:a="http://schemas.openxmlformats.org/drawingml/2006/main" xmlns:r="http://schemas.openxmlformats.org/officeDocument/2006/relationships" xmlns:p="http://schemas.openxmlformats.org/presentationml/2006/main" xmlns:m="http://schemas.openxmlformats.org/officeDocument/2006/math" xmlns:w="http://schemas.openxmlformats.org/wordprocessingml/2006/main" matchingName="" preserve="1" showMasterPhAnim="0" showMasterSp="1" type="picTx" userDrawn="1">
   <p:cSld name="Picture with Caption">
     <p:spTree>
       <p:nvGrpSpPr>
@@ -2772,7 +2775,7 @@
       </p:grpSpPr>
       <p:sp>
         <p:nvSpPr>
-          <p:cNvPr id="2" name="Title 1"/>
+          <p:cNvPr id="1006458308" name="Title 1"/>
           <p:cNvSpPr>
             <a:spLocks noGrp="1"/>
           </p:cNvSpPr>
@@ -2807,7 +2810,7 @@
       </p:sp>
       <p:sp>
         <p:nvSpPr>
-          <p:cNvPr id="3" name="Picture Placeholder 2"/>
+          <p:cNvPr id="1588677240" name="Picture Placeholder 2"/>
           <p:cNvSpPr>
             <a:spLocks noChangeAspect="1" noGrp="1"/>
           </p:cNvSpPr>
@@ -2875,7 +2878,7 @@
       </p:sp>
       <p:sp>
         <p:nvSpPr>
-          <p:cNvPr id="4" name="Text Placeholder 3"/>
+          <p:cNvPr id="802547698" name="Text Placeholder 3"/>
           <p:cNvSpPr>
             <a:spLocks noGrp="1"/>
           </p:cNvSpPr>
@@ -2943,7 +2946,7 @@
       </p:sp>
       <p:sp>
         <p:nvSpPr>
-          <p:cNvPr id="5" name="Date Placeholder 4"/>
+          <p:cNvPr id="1293336040" name="Date Placeholder 4"/>
           <p:cNvSpPr>
             <a:spLocks noGrp="1"/>
           </p:cNvSpPr>
@@ -2969,7 +2972,7 @@
       </p:sp>
       <p:sp>
         <p:nvSpPr>
-          <p:cNvPr id="6" name="Footer Placeholder 5"/>
+          <p:cNvPr id="1910137743" name="Footer Placeholder 5"/>
           <p:cNvSpPr>
             <a:spLocks noGrp="1"/>
           </p:cNvSpPr>
@@ -2991,7 +2994,7 @@
       </p:sp>
       <p:sp>
         <p:nvSpPr>
-          <p:cNvPr id="7" name="Slide Number Placeholder 6"/>
+          <p:cNvPr id="973159557" name="Slide Number Placeholder 6"/>
           <p:cNvSpPr>
             <a:spLocks noGrp="1"/>
           </p:cNvSpPr>
@@ -3047,7 +3050,7 @@
       </p:grpSpPr>
       <p:sp>
         <p:nvSpPr>
-          <p:cNvPr id="2" name="Title Placeholder 1"/>
+          <p:cNvPr id="1751105385" name="Title Placeholder 1"/>
           <p:cNvSpPr>
             <a:spLocks noGrp="1"/>
           </p:cNvSpPr>
@@ -3083,7 +3086,7 @@
       </p:sp>
       <p:sp>
         <p:nvSpPr>
-          <p:cNvPr id="3" name="Text Placeholder 2"/>
+          <p:cNvPr id="923883718" name="Text Placeholder 2"/>
           <p:cNvSpPr>
             <a:spLocks noGrp="1"/>
           </p:cNvSpPr>
@@ -3159,7 +3162,7 @@
       </p:sp>
       <p:sp>
         <p:nvSpPr>
-          <p:cNvPr id="4" name="Date Placeholder 3"/>
+          <p:cNvPr id="668179281" name="Date Placeholder 3"/>
           <p:cNvSpPr>
             <a:spLocks noGrp="1"/>
           </p:cNvSpPr>
@@ -3203,7 +3206,7 @@
       </p:sp>
       <p:sp>
         <p:nvSpPr>
-          <p:cNvPr id="5" name="Footer Placeholder 4"/>
+          <p:cNvPr id="1529567466" name="Footer Placeholder 4"/>
           <p:cNvSpPr>
             <a:spLocks noGrp="1"/>
           </p:cNvSpPr>
@@ -3243,7 +3246,7 @@
       </p:sp>
       <p:sp>
         <p:nvSpPr>
-          <p:cNvPr id="6" name="Slide Number Placeholder 5"/>
+          <p:cNvPr id="1488123492" name="Slide Number Placeholder 5"/>
           <p:cNvSpPr>
             <a:spLocks noGrp="1"/>
           </p:cNvSpPr>
@@ -3585,7 +3588,7 @@
 </file>
 
 <file path=ppt/slides/slide1.xml><?xml version="1.0" encoding="utf-8"?>
-<p:sld xmlns:a="http://schemas.openxmlformats.org/drawingml/2006/main" xmlns:r="http://schemas.openxmlformats.org/officeDocument/2006/relationships" xmlns:p="http://schemas.openxmlformats.org/presentationml/2006/main" xmlns:m="http://schemas.openxmlformats.org/officeDocument/2006/math" xmlns:w="http://schemas.openxmlformats.org/wordprocessingml/2006/main" showMasterPhAnim="0" show="1">
+<p:sld xmlns:a="http://schemas.openxmlformats.org/drawingml/2006/main" xmlns:r="http://schemas.openxmlformats.org/officeDocument/2006/relationships" xmlns:p="http://schemas.openxmlformats.org/presentationml/2006/main" xmlns:m="http://schemas.openxmlformats.org/officeDocument/2006/math" xmlns:w="http://schemas.openxmlformats.org/wordprocessingml/2006/main" xmlns:mc="http://schemas.openxmlformats.org/markup-compatibility/2006" showMasterPhAnim="0" showMasterSp="1" show="1">
   <p:cSld name="">
     <p:spTree>
       <p:nvGrpSpPr>
@@ -3603,7 +3606,7 @@
       </p:grpSpPr>
       <p:pic>
         <p:nvPicPr>
-          <p:cNvPr id="1828007779" name=""/>
+          <p:cNvPr id="16394525" name=""/>
           <p:cNvPicPr>
             <a:picLocks noChangeAspect="1"/>
           </p:cNvPicPr>
@@ -3625,14 +3628,14 @@
       </p:pic>
       <p:sp>
         <p:nvSpPr>
-          <p:cNvPr id="595202323" name=""/>
+          <p:cNvPr id="56692624" name=""/>
           <p:cNvSpPr txBox="1"/>
           <p:nvPr/>
         </p:nvSpPr>
         <p:spPr bwMode="auto">
           <a:xfrm flipH="0" flipV="0">
             <a:off x="4540770" y="687240"/>
-            <a:ext cx="7223761" cy="823320"/>
+            <a:ext cx="7234920" cy="823320"/>
           </a:xfrm>
           <a:prstGeom prst="rect">
             <a:avLst/>
@@ -3655,17 +3658,7 @@
                   </a:schemeClr>
                 </a:solidFill>
               </a:rPr>
-              <a:t>#36 lazy.nvim</a:t>
-            </a:r>
-            <a:r>
-              <a:rPr sz="4800">
-                <a:solidFill>
-                  <a:schemeClr val="accent5">
-                    <a:lumMod val="75000"/>
-                  </a:schemeClr>
-                </a:solidFill>
-              </a:rPr>
-              <a:t> &amp; nvims</a:t>
+              <a:t>#37 gits</a:t>
             </a:r>
             <a:endParaRPr sz="4800">
               <a:solidFill>
@@ -3679,14 +3672,14 @@
       </p:sp>
       <p:sp>
         <p:nvSpPr>
-          <p:cNvPr id="311914269" name=""/>
+          <p:cNvPr id="875334883" name=""/>
           <p:cNvSpPr txBox="1"/>
           <p:nvPr/>
         </p:nvSpPr>
         <p:spPr bwMode="auto">
           <a:xfrm flipH="0" flipV="0">
-            <a:off x="5941105" y="1510559"/>
-            <a:ext cx="5531620" cy="2469239"/>
+            <a:off x="5941104" y="1510558"/>
+            <a:ext cx="5546739" cy="488039"/>
           </a:xfrm>
           <a:prstGeom prst="rect">
             <a:avLst/>
@@ -3707,95 +3700,8 @@
                   <a:srgbClr val="FFFF00"/>
                 </a:solidFill>
               </a:rPr>
-              <a:t>Demonstrate</a:t>
-            </a:r>
-            <a:endParaRPr sz="2600">
-              <a:solidFill>
-                <a:srgbClr val="FFFF00"/>
-              </a:solidFill>
-            </a:endParaRPr>
-          </a:p>
-          <a:p>
-            <a:pPr marL="371994" lvl="0" indent="-371994" algn="l">
-              <a:buFont typeface="Arial"/>
-              <a:buChar char="•"/>
-              <a:defRPr/>
-            </a:pPr>
-            <a:r>
-              <a:rPr sz="2600">
-                <a:solidFill>
-                  <a:srgbClr val="FFFF00"/>
-                </a:solidFill>
-              </a:rPr>
-              <a:t>lazy.nvim  </a:t>
-            </a:r>
-            <a:endParaRPr sz="2600">
-              <a:solidFill>
-                <a:srgbClr val="FFFF00"/>
-              </a:solidFill>
-            </a:endParaRPr>
-          </a:p>
-          <a:p>
-            <a:pPr marL="371994" lvl="0" indent="-371994" algn="l">
-              <a:buFont typeface="Arial"/>
-              <a:buChar char="•"/>
-              <a:defRPr/>
-            </a:pPr>
-            <a:r>
-              <a:rPr sz="2600">
-                <a:solidFill>
-                  <a:srgbClr val="FFFF00"/>
-                </a:solidFill>
-              </a:rPr>
-              <a:t>Correct dependencies for</a:t>
-            </a:r>
-            <a:endParaRPr sz="2600">
-              <a:solidFill>
-                <a:srgbClr val="FFFF00"/>
-              </a:solidFill>
-            </a:endParaRPr>
-          </a:p>
-          <a:p>
-            <a:pPr marL="772043" lvl="1" indent="-371993" algn="l">
-              <a:buFont typeface="Arial"/>
-              <a:buChar char="•"/>
-              <a:defRPr/>
-            </a:pPr>
-            <a:r>
-              <a:rPr sz="2600">
-                <a:solidFill>
-                  <a:srgbClr val="FFFF00"/>
-                </a:solidFill>
-              </a:rPr>
-              <a:t>Harpoon</a:t>
-            </a:r>
-            <a:endParaRPr sz="2600">
-              <a:solidFill>
-                <a:srgbClr val="FFFF00"/>
-              </a:solidFill>
-            </a:endParaRPr>
-          </a:p>
-          <a:p>
-            <a:pPr marL="772043" lvl="1" indent="-371993" algn="l">
-              <a:buFont typeface="Arial"/>
-              <a:buChar char="•"/>
-              <a:defRPr/>
-            </a:pPr>
-            <a:r>
-              <a:rPr sz="2600">
-                <a:solidFill>
-                  <a:srgbClr val="FFFF00"/>
-                </a:solidFill>
-              </a:rPr>
-              <a:t>Telescope-fzf-native</a:t>
-            </a:r>
-            <a:br>
-              <a:rPr sz="2600">
-                <a:solidFill>
-                  <a:srgbClr val="FFFF00"/>
-                </a:solidFill>
-              </a:rPr>
-            </a:br>
+              <a:t>A Git Repository Group Manager</a:t>
+            </a:r>
             <a:endParaRPr sz="2600">
               <a:solidFill>
                 <a:srgbClr val="FFFF00"/>
